--- a/Sem-5/CN/11. MAC protocols.pptx
+++ b/Sem-5/CN/11. MAC protocols.pptx
@@ -1,41 +1,41 @@
 
 <file path=ppt/presentation.xml><?xml version="1.0" encoding="utf-8"?>
-<p:presentation xmlns:a="http://schemas.openxmlformats.org/drawingml/2006/main" xmlns:r="http://schemas.openxmlformats.org/officeDocument/2006/relationships" xmlns:p="http://schemas.openxmlformats.org/presentationml/2006/main" saveSubsetFonts="1">
+<p:presentation xmlns:a="http://schemas.openxmlformats.org/drawingml/2006/main" xmlns:r="http://schemas.openxmlformats.org/officeDocument/2006/relationships" xmlns:p="http://schemas.openxmlformats.org/presentationml/2006/main">
   <p:sldMasterIdLst>
     <p:sldMasterId id="2147483648" r:id="rId1"/>
   </p:sldMasterIdLst>
   <p:notesMasterIdLst>
-    <p:notesMasterId r:id="rId30"/>
+    <p:notesMasterId r:id="rId4"/>
   </p:notesMasterIdLst>
   <p:sldIdLst>
-    <p:sldId id="305" r:id="rId2"/>
-    <p:sldId id="256" r:id="rId3"/>
-    <p:sldId id="257" r:id="rId4"/>
-    <p:sldId id="258" r:id="rId5"/>
-    <p:sldId id="271" r:id="rId6"/>
-    <p:sldId id="259" r:id="rId7"/>
-    <p:sldId id="260" r:id="rId8"/>
-    <p:sldId id="261" r:id="rId9"/>
-    <p:sldId id="262" r:id="rId10"/>
-    <p:sldId id="263" r:id="rId11"/>
-    <p:sldId id="298" r:id="rId12"/>
-    <p:sldId id="299" r:id="rId13"/>
-    <p:sldId id="272" r:id="rId14"/>
-    <p:sldId id="300" r:id="rId15"/>
-    <p:sldId id="265" r:id="rId16"/>
-    <p:sldId id="266" r:id="rId17"/>
-    <p:sldId id="267" r:id="rId18"/>
-    <p:sldId id="273" r:id="rId19"/>
-    <p:sldId id="274" r:id="rId20"/>
-    <p:sldId id="275" r:id="rId21"/>
-    <p:sldId id="276" r:id="rId22"/>
-    <p:sldId id="277" r:id="rId23"/>
-    <p:sldId id="278" r:id="rId24"/>
-    <p:sldId id="268" r:id="rId25"/>
-    <p:sldId id="269" r:id="rId26"/>
-    <p:sldId id="270" r:id="rId27"/>
-    <p:sldId id="303" r:id="rId28"/>
-    <p:sldId id="302" r:id="rId29"/>
+    <p:sldId id="305" r:id="rId3"/>
+    <p:sldId id="256" r:id="rId5"/>
+    <p:sldId id="257" r:id="rId6"/>
+    <p:sldId id="258" r:id="rId7"/>
+    <p:sldId id="271" r:id="rId8"/>
+    <p:sldId id="259" r:id="rId9"/>
+    <p:sldId id="260" r:id="rId10"/>
+    <p:sldId id="261" r:id="rId11"/>
+    <p:sldId id="262" r:id="rId12"/>
+    <p:sldId id="263" r:id="rId13"/>
+    <p:sldId id="298" r:id="rId14"/>
+    <p:sldId id="299" r:id="rId15"/>
+    <p:sldId id="272" r:id="rId16"/>
+    <p:sldId id="300" r:id="rId17"/>
+    <p:sldId id="265" r:id="rId18"/>
+    <p:sldId id="266" r:id="rId19"/>
+    <p:sldId id="267" r:id="rId20"/>
+    <p:sldId id="273" r:id="rId21"/>
+    <p:sldId id="274" r:id="rId22"/>
+    <p:sldId id="275" r:id="rId23"/>
+    <p:sldId id="276" r:id="rId24"/>
+    <p:sldId id="277" r:id="rId25"/>
+    <p:sldId id="278" r:id="rId26"/>
+    <p:sldId id="268" r:id="rId27"/>
+    <p:sldId id="269" r:id="rId28"/>
+    <p:sldId id="270" r:id="rId29"/>
+    <p:sldId id="303" r:id="rId30"/>
+    <p:sldId id="302" r:id="rId31"/>
   </p:sldIdLst>
   <p:sldSz cx="12192000" cy="6858000"/>
   <p:notesSz cx="6858000" cy="9144000"/>
@@ -134,11 +134,6 @@
       </a:defRPr>
     </a:lvl9pPr>
   </p:defaultTextStyle>
-  <p:extLst>
-    <p:ext uri="{EFAFB233-063F-42B5-8137-9DF3F51BA10A}">
-      <p15:sldGuideLst xmlns:p15="http://schemas.microsoft.com/office/powerpoint/2012/main"/>
-    </p:ext>
-  </p:extLst>
 </p:presentation>
 </file>
 
@@ -224,7 +219,6 @@
           <a:p>
             <a:fld id="{3F1B7574-5579-407F-B1AD-08A95C25E91C}" type="datetimeFigureOut">
               <a:rPr lang="en-IN" smtClean="0"/>
-              <a:t>20-02-2023</a:t>
             </a:fld>
             <a:endParaRPr lang="en-IN"/>
           </a:p>
@@ -291,6 +285,7 @@
               <a:rPr lang="en-US"/>
               <a:t>Click to edit Master text styles</a:t>
             </a:r>
+            <a:endParaRPr lang="en-US"/>
           </a:p>
           <a:p>
             <a:pPr lvl="1"/>
@@ -298,6 +293,7 @@
               <a:rPr lang="en-US"/>
               <a:t>Second level</a:t>
             </a:r>
+            <a:endParaRPr lang="en-US"/>
           </a:p>
           <a:p>
             <a:pPr lvl="2"/>
@@ -305,6 +301,7 @@
               <a:rPr lang="en-US"/>
               <a:t>Third level</a:t>
             </a:r>
+            <a:endParaRPr lang="en-US"/>
           </a:p>
           <a:p>
             <a:pPr lvl="3"/>
@@ -312,6 +309,7 @@
               <a:rPr lang="en-US"/>
               <a:t>Fourth level</a:t>
             </a:r>
+            <a:endParaRPr lang="en-US"/>
           </a:p>
           <a:p>
             <a:pPr lvl="4"/>
@@ -383,18 +381,12 @@
           <a:p>
             <a:fld id="{C04F109A-208A-4F75-BE76-2CD5086EBF7E}" type="slidenum">
               <a:rPr lang="en-IN" smtClean="0"/>
-              <a:t>‹#›</a:t>
             </a:fld>
             <a:endParaRPr lang="en-IN"/>
           </a:p>
         </p:txBody>
       </p:sp>
     </p:spTree>
-    <p:extLst>
-      <p:ext uri="{BB962C8B-B14F-4D97-AF65-F5344CB8AC3E}">
-        <p14:creationId xmlns:p14="http://schemas.microsoft.com/office/powerpoint/2010/main" val="2462285419"/>
-      </p:ext>
-    </p:extLst>
   </p:cSld>
   <p:clrMap bg1="lt1" tx1="dk1" bg2="lt2" tx2="dk2" accent1="accent1" accent2="accent2" accent3="accent3" accent4="accent4" accent5="accent5" accent6="accent6" hlink="hlink" folHlink="folHlink"/>
   <p:notesStyle>
@@ -526,8 +518,6 @@
               <a:srgbClr val="000000"/>
             </a:solidFill>
             <a:miter lim="800000"/>
-            <a:headEnd/>
-            <a:tailEnd/>
           </a:ln>
           <a:extLst>
             <a:ext uri="{909E8E84-426E-40DD-AFC4-6F175D3DCCD1}">
@@ -573,11 +563,7 @@
           </a:extLst>
         </p:spPr>
         <p:txBody>
-          <a:bodyPr wrap="square" numCol="1" anchor="t" anchorCtr="0" compatLnSpc="1">
-            <a:prstTxWarp prst="textNoShape">
-              <a:avLst/>
-            </a:prstTxWarp>
-          </a:bodyPr>
+          <a:bodyPr wrap="square" numCol="1" anchor="t" anchorCtr="0" compatLnSpc="1"/>
           <a:lstStyle/>
           <a:p>
             <a:endParaRPr lang="en-IN" altLang="en-US"/>
@@ -719,19 +705,12 @@
           <a:p>
             <a:fld id="{C6BA2109-DC4B-4E25-AC97-E89A9853F836}" type="slidenum">
               <a:rPr lang="en-IN" altLang="en-US" sz="1200" smtClean="0"/>
-              <a:pPr/>
-              <a:t>1</a:t>
             </a:fld>
             <a:endParaRPr lang="en-IN" altLang="en-US" sz="1200"/>
           </a:p>
         </p:txBody>
       </p:sp>
     </p:spTree>
-    <p:extLst>
-      <p:ext uri="{BB962C8B-B14F-4D97-AF65-F5344CB8AC3E}">
-        <p14:creationId xmlns:p14="http://schemas.microsoft.com/office/powerpoint/2010/main" val="4230992566"/>
-      </p:ext>
-    </p:extLst>
   </p:cSld>
   <p:clrMapOvr>
     <a:masterClrMapping/>
@@ -804,18 +783,12 @@
           <a:p>
             <a:fld id="{C04F109A-208A-4F75-BE76-2CD5086EBF7E}" type="slidenum">
               <a:rPr lang="en-IN" smtClean="0"/>
-              <a:t>11</a:t>
             </a:fld>
             <a:endParaRPr lang="en-IN"/>
           </a:p>
         </p:txBody>
       </p:sp>
     </p:spTree>
-    <p:extLst>
-      <p:ext uri="{BB962C8B-B14F-4D97-AF65-F5344CB8AC3E}">
-        <p14:creationId xmlns:p14="http://schemas.microsoft.com/office/powerpoint/2010/main" val="4043653976"/>
-      </p:ext>
-    </p:extLst>
   </p:cSld>
   <p:clrMapOvr>
     <a:masterClrMapping/>
@@ -954,7 +927,6 @@
           <a:p>
             <a:fld id="{63ECAF29-FD53-4E99-A3D6-5AC2C1BFDB1C}" type="datetimeFigureOut">
               <a:rPr lang="en-IN" smtClean="0"/>
-              <a:t>20-02-2023</a:t>
             </a:fld>
             <a:endParaRPr lang="en-IN"/>
           </a:p>
@@ -996,18 +968,12 @@
           <a:p>
             <a:fld id="{FA221343-62D6-47B1-8CD5-2B88DC996ED3}" type="slidenum">
               <a:rPr lang="en-IN" smtClean="0"/>
-              <a:t>‹#›</a:t>
             </a:fld>
             <a:endParaRPr lang="en-IN"/>
           </a:p>
         </p:txBody>
       </p:sp>
     </p:spTree>
-    <p:extLst>
-      <p:ext uri="{BB962C8B-B14F-4D97-AF65-F5344CB8AC3E}">
-        <p14:creationId xmlns:p14="http://schemas.microsoft.com/office/powerpoint/2010/main" val="2252565517"/>
-      </p:ext>
-    </p:extLst>
   </p:cSld>
   <p:clrMapOvr>
     <a:masterClrMapping/>
@@ -1075,6 +1041,7 @@
               <a:rPr lang="en-US"/>
               <a:t>Click to edit Master text styles</a:t>
             </a:r>
+            <a:endParaRPr lang="en-US"/>
           </a:p>
           <a:p>
             <a:pPr lvl="1"/>
@@ -1082,6 +1049,7 @@
               <a:rPr lang="en-US"/>
               <a:t>Second level</a:t>
             </a:r>
+            <a:endParaRPr lang="en-US"/>
           </a:p>
           <a:p>
             <a:pPr lvl="2"/>
@@ -1089,6 +1057,7 @@
               <a:rPr lang="en-US"/>
               <a:t>Third level</a:t>
             </a:r>
+            <a:endParaRPr lang="en-US"/>
           </a:p>
           <a:p>
             <a:pPr lvl="3"/>
@@ -1096,6 +1065,7 @@
               <a:rPr lang="en-US"/>
               <a:t>Fourth level</a:t>
             </a:r>
+            <a:endParaRPr lang="en-US"/>
           </a:p>
           <a:p>
             <a:pPr lvl="4"/>
@@ -1124,7 +1094,6 @@
           <a:p>
             <a:fld id="{63ECAF29-FD53-4E99-A3D6-5AC2C1BFDB1C}" type="datetimeFigureOut">
               <a:rPr lang="en-IN" smtClean="0"/>
-              <a:t>20-02-2023</a:t>
             </a:fld>
             <a:endParaRPr lang="en-IN"/>
           </a:p>
@@ -1166,18 +1135,12 @@
           <a:p>
             <a:fld id="{FA221343-62D6-47B1-8CD5-2B88DC996ED3}" type="slidenum">
               <a:rPr lang="en-IN" smtClean="0"/>
-              <a:t>‹#›</a:t>
             </a:fld>
             <a:endParaRPr lang="en-IN"/>
           </a:p>
         </p:txBody>
       </p:sp>
     </p:spTree>
-    <p:extLst>
-      <p:ext uri="{BB962C8B-B14F-4D97-AF65-F5344CB8AC3E}">
-        <p14:creationId xmlns:p14="http://schemas.microsoft.com/office/powerpoint/2010/main" val="1754781493"/>
-      </p:ext>
-    </p:extLst>
   </p:cSld>
   <p:clrMapOvr>
     <a:masterClrMapping/>
@@ -1255,6 +1218,7 @@
               <a:rPr lang="en-US"/>
               <a:t>Click to edit Master text styles</a:t>
             </a:r>
+            <a:endParaRPr lang="en-US"/>
           </a:p>
           <a:p>
             <a:pPr lvl="1"/>
@@ -1262,6 +1226,7 @@
               <a:rPr lang="en-US"/>
               <a:t>Second level</a:t>
             </a:r>
+            <a:endParaRPr lang="en-US"/>
           </a:p>
           <a:p>
             <a:pPr lvl="2"/>
@@ -1269,6 +1234,7 @@
               <a:rPr lang="en-US"/>
               <a:t>Third level</a:t>
             </a:r>
+            <a:endParaRPr lang="en-US"/>
           </a:p>
           <a:p>
             <a:pPr lvl="3"/>
@@ -1276,6 +1242,7 @@
               <a:rPr lang="en-US"/>
               <a:t>Fourth level</a:t>
             </a:r>
+            <a:endParaRPr lang="en-US"/>
           </a:p>
           <a:p>
             <a:pPr lvl="4"/>
@@ -1304,7 +1271,6 @@
           <a:p>
             <a:fld id="{63ECAF29-FD53-4E99-A3D6-5AC2C1BFDB1C}" type="datetimeFigureOut">
               <a:rPr lang="en-IN" smtClean="0"/>
-              <a:t>20-02-2023</a:t>
             </a:fld>
             <a:endParaRPr lang="en-IN"/>
           </a:p>
@@ -1346,18 +1312,12 @@
           <a:p>
             <a:fld id="{FA221343-62D6-47B1-8CD5-2B88DC996ED3}" type="slidenum">
               <a:rPr lang="en-IN" smtClean="0"/>
-              <a:t>‹#›</a:t>
             </a:fld>
             <a:endParaRPr lang="en-IN"/>
           </a:p>
         </p:txBody>
       </p:sp>
     </p:spTree>
-    <p:extLst>
-      <p:ext uri="{BB962C8B-B14F-4D97-AF65-F5344CB8AC3E}">
-        <p14:creationId xmlns:p14="http://schemas.microsoft.com/office/powerpoint/2010/main" val="775879921"/>
-      </p:ext>
-    </p:extLst>
   </p:cSld>
   <p:clrMapOvr>
     <a:masterClrMapping/>
@@ -1425,6 +1385,7 @@
               <a:rPr lang="en-US"/>
               <a:t>Click to edit Master text styles</a:t>
             </a:r>
+            <a:endParaRPr lang="en-US"/>
           </a:p>
           <a:p>
             <a:pPr lvl="1"/>
@@ -1432,6 +1393,7 @@
               <a:rPr lang="en-US"/>
               <a:t>Second level</a:t>
             </a:r>
+            <a:endParaRPr lang="en-US"/>
           </a:p>
           <a:p>
             <a:pPr lvl="2"/>
@@ -1439,6 +1401,7 @@
               <a:rPr lang="en-US"/>
               <a:t>Third level</a:t>
             </a:r>
+            <a:endParaRPr lang="en-US"/>
           </a:p>
           <a:p>
             <a:pPr lvl="3"/>
@@ -1446,6 +1409,7 @@
               <a:rPr lang="en-US"/>
               <a:t>Fourth level</a:t>
             </a:r>
+            <a:endParaRPr lang="en-US"/>
           </a:p>
           <a:p>
             <a:pPr lvl="4"/>
@@ -1474,7 +1438,6 @@
           <a:p>
             <a:fld id="{63ECAF29-FD53-4E99-A3D6-5AC2C1BFDB1C}" type="datetimeFigureOut">
               <a:rPr lang="en-IN" smtClean="0"/>
-              <a:t>20-02-2023</a:t>
             </a:fld>
             <a:endParaRPr lang="en-IN"/>
           </a:p>
@@ -1516,18 +1479,12 @@
           <a:p>
             <a:fld id="{FA221343-62D6-47B1-8CD5-2B88DC996ED3}" type="slidenum">
               <a:rPr lang="en-IN" smtClean="0"/>
-              <a:t>‹#›</a:t>
             </a:fld>
             <a:endParaRPr lang="en-IN"/>
           </a:p>
         </p:txBody>
       </p:sp>
     </p:spTree>
-    <p:extLst>
-      <p:ext uri="{BB962C8B-B14F-4D97-AF65-F5344CB8AC3E}">
-        <p14:creationId xmlns:p14="http://schemas.microsoft.com/office/powerpoint/2010/main" val="2506591354"/>
-      </p:ext>
-    </p:extLst>
   </p:cSld>
   <p:clrMapOvr>
     <a:masterClrMapping/>
@@ -1700,6 +1657,7 @@
               <a:rPr lang="en-US"/>
               <a:t>Click to edit Master text styles</a:t>
             </a:r>
+            <a:endParaRPr lang="en-US"/>
           </a:p>
         </p:txBody>
       </p:sp>
@@ -1720,7 +1678,6 @@
           <a:p>
             <a:fld id="{63ECAF29-FD53-4E99-A3D6-5AC2C1BFDB1C}" type="datetimeFigureOut">
               <a:rPr lang="en-IN" smtClean="0"/>
-              <a:t>20-02-2023</a:t>
             </a:fld>
             <a:endParaRPr lang="en-IN"/>
           </a:p>
@@ -1762,18 +1719,12 @@
           <a:p>
             <a:fld id="{FA221343-62D6-47B1-8CD5-2B88DC996ED3}" type="slidenum">
               <a:rPr lang="en-IN" smtClean="0"/>
-              <a:t>‹#›</a:t>
             </a:fld>
             <a:endParaRPr lang="en-IN"/>
           </a:p>
         </p:txBody>
       </p:sp>
     </p:spTree>
-    <p:extLst>
-      <p:ext uri="{BB962C8B-B14F-4D97-AF65-F5344CB8AC3E}">
-        <p14:creationId xmlns:p14="http://schemas.microsoft.com/office/powerpoint/2010/main" val="2625091311"/>
-      </p:ext>
-    </p:extLst>
   </p:cSld>
   <p:clrMapOvr>
     <a:masterClrMapping/>
@@ -1846,6 +1797,7 @@
               <a:rPr lang="en-US"/>
               <a:t>Click to edit Master text styles</a:t>
             </a:r>
+            <a:endParaRPr lang="en-US"/>
           </a:p>
           <a:p>
             <a:pPr lvl="1"/>
@@ -1853,6 +1805,7 @@
               <a:rPr lang="en-US"/>
               <a:t>Second level</a:t>
             </a:r>
+            <a:endParaRPr lang="en-US"/>
           </a:p>
           <a:p>
             <a:pPr lvl="2"/>
@@ -1860,6 +1813,7 @@
               <a:rPr lang="en-US"/>
               <a:t>Third level</a:t>
             </a:r>
+            <a:endParaRPr lang="en-US"/>
           </a:p>
           <a:p>
             <a:pPr lvl="3"/>
@@ -1867,6 +1821,7 @@
               <a:rPr lang="en-US"/>
               <a:t>Fourth level</a:t>
             </a:r>
+            <a:endParaRPr lang="en-US"/>
           </a:p>
           <a:p>
             <a:pPr lvl="4"/>
@@ -1903,6 +1858,7 @@
               <a:rPr lang="en-US"/>
               <a:t>Click to edit Master text styles</a:t>
             </a:r>
+            <a:endParaRPr lang="en-US"/>
           </a:p>
           <a:p>
             <a:pPr lvl="1"/>
@@ -1910,6 +1866,7 @@
               <a:rPr lang="en-US"/>
               <a:t>Second level</a:t>
             </a:r>
+            <a:endParaRPr lang="en-US"/>
           </a:p>
           <a:p>
             <a:pPr lvl="2"/>
@@ -1917,6 +1874,7 @@
               <a:rPr lang="en-US"/>
               <a:t>Third level</a:t>
             </a:r>
+            <a:endParaRPr lang="en-US"/>
           </a:p>
           <a:p>
             <a:pPr lvl="3"/>
@@ -1924,6 +1882,7 @@
               <a:rPr lang="en-US"/>
               <a:t>Fourth level</a:t>
             </a:r>
+            <a:endParaRPr lang="en-US"/>
           </a:p>
           <a:p>
             <a:pPr lvl="4"/>
@@ -1952,7 +1911,6 @@
           <a:p>
             <a:fld id="{63ECAF29-FD53-4E99-A3D6-5AC2C1BFDB1C}" type="datetimeFigureOut">
               <a:rPr lang="en-IN" smtClean="0"/>
-              <a:t>20-02-2023</a:t>
             </a:fld>
             <a:endParaRPr lang="en-IN"/>
           </a:p>
@@ -1994,18 +1952,12 @@
           <a:p>
             <a:fld id="{FA221343-62D6-47B1-8CD5-2B88DC996ED3}" type="slidenum">
               <a:rPr lang="en-IN" smtClean="0"/>
-              <a:t>‹#›</a:t>
             </a:fld>
             <a:endParaRPr lang="en-IN"/>
           </a:p>
         </p:txBody>
       </p:sp>
     </p:spTree>
-    <p:extLst>
-      <p:ext uri="{BB962C8B-B14F-4D97-AF65-F5344CB8AC3E}">
-        <p14:creationId xmlns:p14="http://schemas.microsoft.com/office/powerpoint/2010/main" val="2454908587"/>
-      </p:ext>
-    </p:extLst>
   </p:cSld>
   <p:clrMapOvr>
     <a:masterClrMapping/>
@@ -2120,6 +2072,7 @@
               <a:rPr lang="en-US"/>
               <a:t>Click to edit Master text styles</a:t>
             </a:r>
+            <a:endParaRPr lang="en-US"/>
           </a:p>
         </p:txBody>
       </p:sp>
@@ -2148,6 +2101,7 @@
               <a:rPr lang="en-US"/>
               <a:t>Click to edit Master text styles</a:t>
             </a:r>
+            <a:endParaRPr lang="en-US"/>
           </a:p>
           <a:p>
             <a:pPr lvl="1"/>
@@ -2155,6 +2109,7 @@
               <a:rPr lang="en-US"/>
               <a:t>Second level</a:t>
             </a:r>
+            <a:endParaRPr lang="en-US"/>
           </a:p>
           <a:p>
             <a:pPr lvl="2"/>
@@ -2162,6 +2117,7 @@
               <a:rPr lang="en-US"/>
               <a:t>Third level</a:t>
             </a:r>
+            <a:endParaRPr lang="en-US"/>
           </a:p>
           <a:p>
             <a:pPr lvl="3"/>
@@ -2169,6 +2125,7 @@
               <a:rPr lang="en-US"/>
               <a:t>Fourth level</a:t>
             </a:r>
+            <a:endParaRPr lang="en-US"/>
           </a:p>
           <a:p>
             <a:pPr lvl="4"/>
@@ -2242,6 +2199,7 @@
               <a:rPr lang="en-US"/>
               <a:t>Click to edit Master text styles</a:t>
             </a:r>
+            <a:endParaRPr lang="en-US"/>
           </a:p>
         </p:txBody>
       </p:sp>
@@ -2270,6 +2228,7 @@
               <a:rPr lang="en-US"/>
               <a:t>Click to edit Master text styles</a:t>
             </a:r>
+            <a:endParaRPr lang="en-US"/>
           </a:p>
           <a:p>
             <a:pPr lvl="1"/>
@@ -2277,6 +2236,7 @@
               <a:rPr lang="en-US"/>
               <a:t>Second level</a:t>
             </a:r>
+            <a:endParaRPr lang="en-US"/>
           </a:p>
           <a:p>
             <a:pPr lvl="2"/>
@@ -2284,6 +2244,7 @@
               <a:rPr lang="en-US"/>
               <a:t>Third level</a:t>
             </a:r>
+            <a:endParaRPr lang="en-US"/>
           </a:p>
           <a:p>
             <a:pPr lvl="3"/>
@@ -2291,6 +2252,7 @@
               <a:rPr lang="en-US"/>
               <a:t>Fourth level</a:t>
             </a:r>
+            <a:endParaRPr lang="en-US"/>
           </a:p>
           <a:p>
             <a:pPr lvl="4"/>
@@ -2319,7 +2281,6 @@
           <a:p>
             <a:fld id="{63ECAF29-FD53-4E99-A3D6-5AC2C1BFDB1C}" type="datetimeFigureOut">
               <a:rPr lang="en-IN" smtClean="0"/>
-              <a:t>20-02-2023</a:t>
             </a:fld>
             <a:endParaRPr lang="en-IN"/>
           </a:p>
@@ -2361,18 +2322,12 @@
           <a:p>
             <a:fld id="{FA221343-62D6-47B1-8CD5-2B88DC996ED3}" type="slidenum">
               <a:rPr lang="en-IN" smtClean="0"/>
-              <a:t>‹#›</a:t>
             </a:fld>
             <a:endParaRPr lang="en-IN"/>
           </a:p>
         </p:txBody>
       </p:sp>
     </p:spTree>
-    <p:extLst>
-      <p:ext uri="{BB962C8B-B14F-4D97-AF65-F5344CB8AC3E}">
-        <p14:creationId xmlns:p14="http://schemas.microsoft.com/office/powerpoint/2010/main" val="3245979294"/>
-      </p:ext>
-    </p:extLst>
   </p:cSld>
   <p:clrMapOvr>
     <a:masterClrMapping/>
@@ -2437,7 +2392,6 @@
           <a:p>
             <a:fld id="{63ECAF29-FD53-4E99-A3D6-5AC2C1BFDB1C}" type="datetimeFigureOut">
               <a:rPr lang="en-IN" smtClean="0"/>
-              <a:t>20-02-2023</a:t>
             </a:fld>
             <a:endParaRPr lang="en-IN"/>
           </a:p>
@@ -2479,18 +2433,12 @@
           <a:p>
             <a:fld id="{FA221343-62D6-47B1-8CD5-2B88DC996ED3}" type="slidenum">
               <a:rPr lang="en-IN" smtClean="0"/>
-              <a:t>‹#›</a:t>
             </a:fld>
             <a:endParaRPr lang="en-IN"/>
           </a:p>
         </p:txBody>
       </p:sp>
     </p:spTree>
-    <p:extLst>
-      <p:ext uri="{BB962C8B-B14F-4D97-AF65-F5344CB8AC3E}">
-        <p14:creationId xmlns:p14="http://schemas.microsoft.com/office/powerpoint/2010/main" val="285739321"/>
-      </p:ext>
-    </p:extLst>
   </p:cSld>
   <p:clrMapOvr>
     <a:masterClrMapping/>
@@ -2532,7 +2480,6 @@
           <a:p>
             <a:fld id="{63ECAF29-FD53-4E99-A3D6-5AC2C1BFDB1C}" type="datetimeFigureOut">
               <a:rPr lang="en-IN" smtClean="0"/>
-              <a:t>20-02-2023</a:t>
             </a:fld>
             <a:endParaRPr lang="en-IN"/>
           </a:p>
@@ -2574,18 +2521,12 @@
           <a:p>
             <a:fld id="{FA221343-62D6-47B1-8CD5-2B88DC996ED3}" type="slidenum">
               <a:rPr lang="en-IN" smtClean="0"/>
-              <a:t>‹#›</a:t>
             </a:fld>
             <a:endParaRPr lang="en-IN"/>
           </a:p>
         </p:txBody>
       </p:sp>
     </p:spTree>
-    <p:extLst>
-      <p:ext uri="{BB962C8B-B14F-4D97-AF65-F5344CB8AC3E}">
-        <p14:creationId xmlns:p14="http://schemas.microsoft.com/office/powerpoint/2010/main" val="290240297"/>
-      </p:ext>
-    </p:extLst>
   </p:cSld>
   <p:clrMapOvr>
     <a:masterClrMapping/>
@@ -2695,6 +2636,7 @@
               <a:rPr lang="en-US"/>
               <a:t>Click to edit Master text styles</a:t>
             </a:r>
+            <a:endParaRPr lang="en-US"/>
           </a:p>
           <a:p>
             <a:pPr lvl="1"/>
@@ -2702,6 +2644,7 @@
               <a:rPr lang="en-US"/>
               <a:t>Second level</a:t>
             </a:r>
+            <a:endParaRPr lang="en-US"/>
           </a:p>
           <a:p>
             <a:pPr lvl="2"/>
@@ -2709,6 +2652,7 @@
               <a:rPr lang="en-US"/>
               <a:t>Third level</a:t>
             </a:r>
+            <a:endParaRPr lang="en-US"/>
           </a:p>
           <a:p>
             <a:pPr lvl="3"/>
@@ -2716,6 +2660,7 @@
               <a:rPr lang="en-US"/>
               <a:t>Fourth level</a:t>
             </a:r>
+            <a:endParaRPr lang="en-US"/>
           </a:p>
           <a:p>
             <a:pPr lvl="4"/>
@@ -2789,6 +2734,7 @@
               <a:rPr lang="en-US"/>
               <a:t>Click to edit Master text styles</a:t>
             </a:r>
+            <a:endParaRPr lang="en-US"/>
           </a:p>
         </p:txBody>
       </p:sp>
@@ -2809,7 +2755,6 @@
           <a:p>
             <a:fld id="{63ECAF29-FD53-4E99-A3D6-5AC2C1BFDB1C}" type="datetimeFigureOut">
               <a:rPr lang="en-IN" smtClean="0"/>
-              <a:t>20-02-2023</a:t>
             </a:fld>
             <a:endParaRPr lang="en-IN"/>
           </a:p>
@@ -2851,18 +2796,12 @@
           <a:p>
             <a:fld id="{FA221343-62D6-47B1-8CD5-2B88DC996ED3}" type="slidenum">
               <a:rPr lang="en-IN" smtClean="0"/>
-              <a:t>‹#›</a:t>
             </a:fld>
             <a:endParaRPr lang="en-IN"/>
           </a:p>
         </p:txBody>
       </p:sp>
     </p:spTree>
-    <p:extLst>
-      <p:ext uri="{BB962C8B-B14F-4D97-AF65-F5344CB8AC3E}">
-        <p14:creationId xmlns:p14="http://schemas.microsoft.com/office/powerpoint/2010/main" val="1465674044"/>
-      </p:ext>
-    </p:extLst>
   </p:cSld>
   <p:clrMapOvr>
     <a:masterClrMapping/>
@@ -3042,6 +2981,7 @@
               <a:rPr lang="en-US"/>
               <a:t>Click to edit Master text styles</a:t>
             </a:r>
+            <a:endParaRPr lang="en-US"/>
           </a:p>
         </p:txBody>
       </p:sp>
@@ -3062,7 +3002,6 @@
           <a:p>
             <a:fld id="{63ECAF29-FD53-4E99-A3D6-5AC2C1BFDB1C}" type="datetimeFigureOut">
               <a:rPr lang="en-IN" smtClean="0"/>
-              <a:t>20-02-2023</a:t>
             </a:fld>
             <a:endParaRPr lang="en-IN"/>
           </a:p>
@@ -3104,18 +3043,12 @@
           <a:p>
             <a:fld id="{FA221343-62D6-47B1-8CD5-2B88DC996ED3}" type="slidenum">
               <a:rPr lang="en-IN" smtClean="0"/>
-              <a:t>‹#›</a:t>
             </a:fld>
             <a:endParaRPr lang="en-IN"/>
           </a:p>
         </p:txBody>
       </p:sp>
     </p:spTree>
-    <p:extLst>
-      <p:ext uri="{BB962C8B-B14F-4D97-AF65-F5344CB8AC3E}">
-        <p14:creationId xmlns:p14="http://schemas.microsoft.com/office/powerpoint/2010/main" val="1570492258"/>
-      </p:ext>
-    </p:extLst>
   </p:cSld>
   <p:clrMapOvr>
     <a:masterClrMapping/>
@@ -3208,6 +3141,7 @@
               <a:rPr lang="en-US"/>
               <a:t>Click to edit Master text styles</a:t>
             </a:r>
+            <a:endParaRPr lang="en-US"/>
           </a:p>
           <a:p>
             <a:pPr lvl="1"/>
@@ -3215,6 +3149,7 @@
               <a:rPr lang="en-US"/>
               <a:t>Second level</a:t>
             </a:r>
+            <a:endParaRPr lang="en-US"/>
           </a:p>
           <a:p>
             <a:pPr lvl="2"/>
@@ -3222,6 +3157,7 @@
               <a:rPr lang="en-US"/>
               <a:t>Third level</a:t>
             </a:r>
+            <a:endParaRPr lang="en-US"/>
           </a:p>
           <a:p>
             <a:pPr lvl="3"/>
@@ -3229,6 +3165,7 @@
               <a:rPr lang="en-US"/>
               <a:t>Fourth level</a:t>
             </a:r>
+            <a:endParaRPr lang="en-US"/>
           </a:p>
           <a:p>
             <a:pPr lvl="4"/>
@@ -3275,7 +3212,6 @@
           <a:p>
             <a:fld id="{63ECAF29-FD53-4E99-A3D6-5AC2C1BFDB1C}" type="datetimeFigureOut">
               <a:rPr lang="en-IN" smtClean="0"/>
-              <a:t>20-02-2023</a:t>
             </a:fld>
             <a:endParaRPr lang="en-IN"/>
           </a:p>
@@ -3353,18 +3289,12 @@
           <a:p>
             <a:fld id="{FA221343-62D6-47B1-8CD5-2B88DC996ED3}" type="slidenum">
               <a:rPr lang="en-IN" smtClean="0"/>
-              <a:t>‹#›</a:t>
             </a:fld>
             <a:endParaRPr lang="en-IN"/>
           </a:p>
         </p:txBody>
       </p:sp>
     </p:spTree>
-    <p:extLst>
-      <p:ext uri="{BB962C8B-B14F-4D97-AF65-F5344CB8AC3E}">
-        <p14:creationId xmlns:p14="http://schemas.microsoft.com/office/powerpoint/2010/main" val="2548248311"/>
-      </p:ext>
-    </p:extLst>
   </p:cSld>
   <p:clrMap bg1="lt1" tx1="dk1" bg2="lt2" tx2="dk2" accent1="accent1" accent2="accent2" accent3="accent3" accent4="accent4" accent5="accent5" accent6="accent6" hlink="hlink" folHlink="folHlink"/>
   <p:sldLayoutIdLst>
@@ -3408,7 +3338,7 @@
         <a:spcBef>
           <a:spcPts val="1000"/>
         </a:spcBef>
-        <a:buFont typeface="Arial" panose="020B0604020202020204" pitchFamily="34" charset="0"/>
+        <a:buFont typeface="Arial" panose="02080604020202020204" pitchFamily="34" charset="0"/>
         <a:buChar char="•"/>
         <a:defRPr sz="2800" kern="1200">
           <a:solidFill>
@@ -3426,7 +3356,7 @@
         <a:spcBef>
           <a:spcPts val="500"/>
         </a:spcBef>
-        <a:buFont typeface="Arial" panose="020B0604020202020204" pitchFamily="34" charset="0"/>
+        <a:buFont typeface="Arial" panose="02080604020202020204" pitchFamily="34" charset="0"/>
         <a:buChar char="•"/>
         <a:defRPr sz="2400" kern="1200">
           <a:solidFill>
@@ -3444,7 +3374,7 @@
         <a:spcBef>
           <a:spcPts val="500"/>
         </a:spcBef>
-        <a:buFont typeface="Arial" panose="020B0604020202020204" pitchFamily="34" charset="0"/>
+        <a:buFont typeface="Arial" panose="02080604020202020204" pitchFamily="34" charset="0"/>
         <a:buChar char="•"/>
         <a:defRPr sz="2000" kern="1200">
           <a:solidFill>
@@ -3462,7 +3392,7 @@
         <a:spcBef>
           <a:spcPts val="500"/>
         </a:spcBef>
-        <a:buFont typeface="Arial" panose="020B0604020202020204" pitchFamily="34" charset="0"/>
+        <a:buFont typeface="Arial" panose="02080604020202020204" pitchFamily="34" charset="0"/>
         <a:buChar char="•"/>
         <a:defRPr sz="1800" kern="1200">
           <a:solidFill>
@@ -3480,7 +3410,7 @@
         <a:spcBef>
           <a:spcPts val="500"/>
         </a:spcBef>
-        <a:buFont typeface="Arial" panose="020B0604020202020204" pitchFamily="34" charset="0"/>
+        <a:buFont typeface="Arial" panose="02080604020202020204" pitchFamily="34" charset="0"/>
         <a:buChar char="•"/>
         <a:defRPr sz="1800" kern="1200">
           <a:solidFill>
@@ -3498,7 +3428,7 @@
         <a:spcBef>
           <a:spcPts val="500"/>
         </a:spcBef>
-        <a:buFont typeface="Arial" panose="020B0604020202020204" pitchFamily="34" charset="0"/>
+        <a:buFont typeface="Arial" panose="02080604020202020204" pitchFamily="34" charset="0"/>
         <a:buChar char="•"/>
         <a:defRPr sz="1800" kern="1200">
           <a:solidFill>
@@ -3516,7 +3446,7 @@
         <a:spcBef>
           <a:spcPts val="500"/>
         </a:spcBef>
-        <a:buFont typeface="Arial" panose="020B0604020202020204" pitchFamily="34" charset="0"/>
+        <a:buFont typeface="Arial" panose="02080604020202020204" pitchFamily="34" charset="0"/>
         <a:buChar char="•"/>
         <a:defRPr sz="1800" kern="1200">
           <a:solidFill>
@@ -3534,7 +3464,7 @@
         <a:spcBef>
           <a:spcPts val="500"/>
         </a:spcBef>
-        <a:buFont typeface="Arial" panose="020B0604020202020204" pitchFamily="34" charset="0"/>
+        <a:buFont typeface="Arial" panose="02080604020202020204" pitchFamily="34" charset="0"/>
         <a:buChar char="•"/>
         <a:defRPr sz="1800" kern="1200">
           <a:solidFill>
@@ -3552,7 +3482,7 @@
         <a:spcBef>
           <a:spcPts val="500"/>
         </a:spcBef>
-        <a:buFont typeface="Arial" panose="020B0604020202020204" pitchFamily="34" charset="0"/>
+        <a:buFont typeface="Arial" panose="02080604020202020204" pitchFamily="34" charset="0"/>
         <a:buChar char="•"/>
         <a:defRPr sz="1800" kern="1200">
           <a:solidFill>
@@ -3874,11 +3804,6 @@
         </p:txBody>
       </p:sp>
     </p:spTree>
-    <p:extLst>
-      <p:ext uri="{BB962C8B-B14F-4D97-AF65-F5344CB8AC3E}">
-        <p14:creationId xmlns:p14="http://schemas.microsoft.com/office/powerpoint/2010/main" val="2716364194"/>
-      </p:ext>
-    </p:extLst>
   </p:cSld>
   <p:clrMapOvr>
     <a:masterClrMapping/>
@@ -3928,12 +3853,14 @@
               <a:rPr lang="en-US" sz="2400" b="1" dirty="0"/>
               <a:t>CSMA (Carrier Sense Multiple Access)</a:t>
             </a:r>
+            <a:endParaRPr lang="en-US" sz="2400" b="1" dirty="0"/>
           </a:p>
           <a:p>
             <a:r>
               <a:rPr lang="en-US" dirty="0"/>
               <a:t>It is a carrier sense multiple access based on media access protocol to sense the traffic on a channel (idle or busy) before transmitting the data. It means that if the channel is idle, the station can send data to the channel. Otherwise, it must wait until the channel becomes idle. Hence, it reduces the chances of a collision on a transmission medium.</a:t>
             </a:r>
+            <a:endParaRPr lang="en-US" dirty="0"/>
           </a:p>
           <a:p>
             <a:endParaRPr lang="en-US" dirty="0"/>
@@ -3943,6 +3870,7 @@
               <a:rPr lang="en-US" sz="2400" b="1" dirty="0"/>
               <a:t>CSMA Access Modes</a:t>
             </a:r>
+            <a:endParaRPr lang="en-US" sz="2400" b="1" dirty="0"/>
           </a:p>
           <a:p>
             <a:endParaRPr lang="en-US" dirty="0"/>
@@ -3956,12 +3884,14 @@
               <a:rPr lang="en-US" dirty="0"/>
               <a:t> In 1-persistent CSMA, the station continuously senses the channel to check its state i.e. idle or busy so that it can transfer data or not. In case when the channel is busy, the station will wait for the channel to become idle. When station found idle channel, it transmits the frame to the channel without any delay. It transmits the frame with probability 1. Due to probability 1, it is called 1-persistent CSMA.</a:t>
             </a:r>
+            <a:endParaRPr lang="en-US" dirty="0"/>
           </a:p>
           <a:p>
             <a:r>
               <a:rPr lang="en-US" dirty="0"/>
               <a:t>The problem with this method is that there are a large number of chances for the collision it is because there is a chance when two or more stations found channel in idle state and the transmit frames at the same time. On the time when collision occurs the station has to wait for the random time for the channel to be idle and to start all again.</a:t>
             </a:r>
+            <a:endParaRPr lang="en-US" dirty="0"/>
           </a:p>
           <a:p>
             <a:endParaRPr lang="en-US" dirty="0"/>
@@ -3977,15 +3907,15 @@
           <p:nvPr/>
         </p:nvPicPr>
         <p:blipFill>
-          <a:blip r:embed="rId2"/>
+          <a:blip r:embed="rId1"/>
           <a:stretch>
             <a:fillRect/>
           </a:stretch>
         </p:blipFill>
         <p:spPr>
           <a:xfrm>
-            <a:off x="2496502" y="4191000"/>
-            <a:ext cx="6924675" cy="2270760"/>
+            <a:off x="2185670" y="4272915"/>
+            <a:ext cx="6840220" cy="2243455"/>
           </a:xfrm>
           <a:prstGeom prst="rect">
             <a:avLst/>
@@ -3993,11 +3923,6 @@
         </p:spPr>
       </p:pic>
     </p:spTree>
-    <p:extLst>
-      <p:ext uri="{BB962C8B-B14F-4D97-AF65-F5344CB8AC3E}">
-        <p14:creationId xmlns:p14="http://schemas.microsoft.com/office/powerpoint/2010/main" val="1901252075"/>
-      </p:ext>
-    </p:extLst>
   </p:cSld>
   <p:clrMapOvr>
     <a:masterClrMapping/>
@@ -4051,6 +3976,7 @@
               <a:rPr lang="en-US" dirty="0"/>
               <a:t> In this method, the station that has frames to send, only that station senses for the channel. In case of an idle channel, it will send frame immediately to that channel. In case when the channel is found busy, it will wait for the random time and again sense for the state of the station whether idle or busy. In this method, the station does not immediately sense for the channel for only the purpose of capturing it when it detects the end of the previous transmission. The main advantage of using this method is that it reduces the chances of collision. The problem with this is that it reduces the efficiency of the network.</a:t>
             </a:r>
+            <a:endParaRPr lang="en-US" dirty="0"/>
           </a:p>
           <a:p>
             <a:endParaRPr lang="en-US" dirty="0"/>
@@ -4088,6 +4014,7 @@
               <a:rPr lang="en-US" dirty="0"/>
               <a:t> This is the method that is used when channel has time-slots and that time-slot duration is equal to or greater than the maximum propagation delay time. When the station is ready to send the frames, it will sense the channel. If the channel found to be busy, the channel will wait for the next slot. If the channel found to be idle, it transmits the frame with probability p, thus for the left probability i.e. q which is equal to 1-p the station will wait for the beginning of the next time slot. In case, when the next slot is also found idle it will transmit or wait again with the probabilities p and q. This process is repeated until either the frame gets transmitted or another station has started transmitting.</a:t>
             </a:r>
+            <a:endParaRPr lang="en-US" dirty="0"/>
           </a:p>
         </p:txBody>
       </p:sp>
@@ -4100,15 +4027,15 @@
           <p:nvPr/>
         </p:nvPicPr>
         <p:blipFill>
-          <a:blip r:embed="rId3"/>
+          <a:blip r:embed="rId1"/>
           <a:stretch>
             <a:fillRect/>
           </a:stretch>
         </p:blipFill>
         <p:spPr>
           <a:xfrm>
-            <a:off x="1950720" y="2118360"/>
-            <a:ext cx="7620000" cy="2286000"/>
+            <a:off x="3086100" y="2533650"/>
+            <a:ext cx="5083810" cy="1821815"/>
           </a:xfrm>
           <a:prstGeom prst="rect">
             <a:avLst/>
@@ -4116,11 +4043,6 @@
         </p:spPr>
       </p:pic>
     </p:spTree>
-    <p:extLst>
-      <p:ext uri="{BB962C8B-B14F-4D97-AF65-F5344CB8AC3E}">
-        <p14:creationId xmlns:p14="http://schemas.microsoft.com/office/powerpoint/2010/main" val="1975792909"/>
-      </p:ext>
-    </p:extLst>
   </p:cSld>
   <p:clrMapOvr>
     <a:masterClrMapping/>
@@ -4154,7 +4076,7 @@
           <p:nvPr/>
         </p:nvPicPr>
         <p:blipFill>
-          <a:blip r:embed="rId2"/>
+          <a:blip r:embed="rId1"/>
           <a:stretch>
             <a:fillRect/>
           </a:stretch>
@@ -4170,11 +4092,6 @@
         </p:spPr>
       </p:pic>
     </p:spTree>
-    <p:extLst>
-      <p:ext uri="{BB962C8B-B14F-4D97-AF65-F5344CB8AC3E}">
-        <p14:creationId xmlns:p14="http://schemas.microsoft.com/office/powerpoint/2010/main" val="4163956887"/>
-      </p:ext>
-    </p:extLst>
   </p:cSld>
   <p:clrMapOvr>
     <a:masterClrMapping/>
@@ -4208,7 +4125,7 @@
           <p:nvPr/>
         </p:nvPicPr>
         <p:blipFill>
-          <a:blip r:embed="rId2">
+          <a:blip r:embed="rId1">
             <a:extLst>
               <a:ext uri="{28A0092B-C50C-407E-A947-70E740481C1C}">
                 <a14:useLocalDpi xmlns:a14="http://schemas.microsoft.com/office/drawing/2010/main" val="0"/>
@@ -4265,6 +4182,7 @@
               <a:rPr lang="en-US" dirty="0"/>
               <a:t>Throughput &amp; Efficiency of CSMA:</a:t>
             </a:r>
+            <a:endParaRPr lang="en-US" dirty="0"/>
           </a:p>
           <a:p>
             <a:r>
@@ -4276,11 +4194,6 @@
         </p:txBody>
       </p:sp>
     </p:spTree>
-    <p:extLst>
-      <p:ext uri="{BB962C8B-B14F-4D97-AF65-F5344CB8AC3E}">
-        <p14:creationId xmlns:p14="http://schemas.microsoft.com/office/powerpoint/2010/main" val="2778057856"/>
-      </p:ext>
-    </p:extLst>
   </p:cSld>
   <p:clrMapOvr>
     <a:masterClrMapping/>
@@ -4314,7 +4227,7 @@
           <p:nvPr/>
         </p:nvPicPr>
         <p:blipFill>
-          <a:blip r:embed="rId2">
+          <a:blip r:embed="rId1">
             <a:extLst>
               <a:ext uri="{28A0092B-C50C-407E-A947-70E740481C1C}">
                 <a14:useLocalDpi xmlns:a14="http://schemas.microsoft.com/office/drawing/2010/main" val="0"/>
@@ -4361,15 +4274,11 @@
               <a:rPr lang="en-IN" sz="2400" b="1" dirty="0"/>
               <a:t>Difference between 1-Persistent,P-Persistent and Non-persistent CSMA</a:t>
             </a:r>
+            <a:endParaRPr lang="en-IN" sz="2400" b="1" dirty="0"/>
           </a:p>
         </p:txBody>
       </p:sp>
     </p:spTree>
-    <p:extLst>
-      <p:ext uri="{BB962C8B-B14F-4D97-AF65-F5344CB8AC3E}">
-        <p14:creationId xmlns:p14="http://schemas.microsoft.com/office/powerpoint/2010/main" val="1566097153"/>
-      </p:ext>
-    </p:extLst>
   </p:cSld>
   <p:clrMapOvr>
     <a:masterClrMapping/>
@@ -4419,12 +4328,14 @@
               <a:rPr lang="en-US" sz="2400" b="1" dirty="0"/>
               <a:t>CSMA/ CD</a:t>
             </a:r>
+            <a:endParaRPr lang="en-US" sz="2400" b="1" dirty="0"/>
           </a:p>
           <a:p>
             <a:r>
               <a:rPr lang="en-US" sz="2000" dirty="0"/>
               <a:t>It is a carrier sense multiple access/ collision detection network protocol to transmit data frames. The CSMA/CD protocol works with a medium access control layer. Therefore, it first senses the shared channel before broadcasting the frames, and if the channel is idle, it transmits a frame to check whether the transmission was successful. If the frame is successfully received, the station sends another frame. If any collision is detected in the CSMA/CD, the station sends a jam/ stop signal to the shared channel to terminate data transmission. After that, it waits for a random time before sending a frame to a channel.</a:t>
             </a:r>
+            <a:endParaRPr lang="en-US" sz="2000" dirty="0"/>
           </a:p>
           <a:p>
             <a:endParaRPr lang="en-US" dirty="0"/>
@@ -4434,12 +4345,14 @@
               <a:rPr lang="en-US" sz="2400" b="1" dirty="0"/>
               <a:t>CSMA/ CA</a:t>
             </a:r>
+            <a:endParaRPr lang="en-US" sz="2400" b="1" dirty="0"/>
           </a:p>
           <a:p>
             <a:r>
               <a:rPr lang="en-US" sz="2000" dirty="0"/>
               <a:t>It is a carrier sense multiple access/collision avoidance network protocol for carrier transmission of data frames. It is a protocol that works with a medium access control layer. When a data frame is sent to a channel, it receives an acknowledgment to check whether the channel is clear. If the station receives only a single (own) acknowledgments, that means the data frame has been successfully transmitted to the receiver. But if it gets two signals (its own and one more in which the collision of frames), a collision of the frame occurs in the shared channel. Detects the collision of the frame when a sender receives an acknowledgment signal.</a:t>
             </a:r>
+            <a:endParaRPr lang="en-US" sz="2000" dirty="0"/>
           </a:p>
           <a:p>
             <a:endParaRPr lang="en-US" sz="2000" dirty="0"/>
@@ -4449,6 +4362,7 @@
               <a:rPr lang="en-US" sz="2000" b="1" dirty="0"/>
               <a:t>These are three types of strategies:</a:t>
             </a:r>
+            <a:endParaRPr lang="en-US" sz="2000" b="1" dirty="0"/>
           </a:p>
           <a:p>
             <a:r>
@@ -4459,18 +4373,14 @@
               <a:rPr lang="en-US" sz="2000" dirty="0"/>
               <a:t>When a station finds the channel busy, it waits for a period of time called IFS time. IFS can also be used to define the priority of a station or a frame. Higher the IFS lower is the priority.</a:t>
             </a:r>
-          </a:p>
-          <a:p>
             <a:endParaRPr lang="en-US" sz="2000" dirty="0"/>
           </a:p>
+          <a:p>
+            <a:endParaRPr lang="en-US" sz="2000" dirty="0"/>
+          </a:p>
         </p:txBody>
       </p:sp>
     </p:spTree>
-    <p:extLst>
-      <p:ext uri="{BB962C8B-B14F-4D97-AF65-F5344CB8AC3E}">
-        <p14:creationId xmlns:p14="http://schemas.microsoft.com/office/powerpoint/2010/main" val="3139101889"/>
-      </p:ext>
-    </p:extLst>
   </p:cSld>
   <p:clrMapOvr>
     <a:masterClrMapping/>
@@ -4524,6 +4434,7 @@
               <a:rPr lang="en-US" sz="2400" dirty="0"/>
               <a:t>It is the amount of time divided into slots. A station which is ready to send frames chooses random number of slots as wait time.</a:t>
             </a:r>
+            <a:endParaRPr lang="en-US" sz="2400" dirty="0"/>
           </a:p>
           <a:p>
             <a:endParaRPr lang="en-US" sz="2400" b="1" dirty="0"/>
@@ -4537,18 +4448,14 @@
               <a:rPr lang="en-US" sz="2400" dirty="0"/>
               <a:t>The positive acknowledgements and time-out timer can help guarantee a successful transmission of the frame.</a:t>
             </a:r>
-          </a:p>
-          <a:p>
             <a:endParaRPr lang="en-US" sz="2400" dirty="0"/>
           </a:p>
+          <a:p>
+            <a:endParaRPr lang="en-US" sz="2400" dirty="0"/>
+          </a:p>
         </p:txBody>
       </p:sp>
     </p:spTree>
-    <p:extLst>
-      <p:ext uri="{BB962C8B-B14F-4D97-AF65-F5344CB8AC3E}">
-        <p14:creationId xmlns:p14="http://schemas.microsoft.com/office/powerpoint/2010/main" val="2263210873"/>
-      </p:ext>
-    </p:extLst>
   </p:cSld>
   <p:clrMapOvr>
     <a:masterClrMapping/>
@@ -4598,36 +4505,40 @@
               <a:rPr lang="en-US" sz="3200" b="1" dirty="0"/>
               <a:t>Controlled Access Protocol</a:t>
             </a:r>
+            <a:endParaRPr lang="en-US" sz="3200" b="1" dirty="0"/>
           </a:p>
           <a:p>
             <a:r>
               <a:rPr lang="en-US" dirty="0"/>
               <a:t>It is a method of reducing data frame collision on a shared channel. In the controlled access method, each station interacts and decides to send a data frame by a particular station approved by all other stations. It means that a single station cannot send the data frames unless all other stations are not approved. It has three types of controlled access: </a:t>
             </a:r>
+            <a:endParaRPr lang="en-US" dirty="0"/>
           </a:p>
           <a:p>
             <a:pPr marL="285750" indent="-285750">
-              <a:buFont typeface="Arial" panose="020B0604020202020204" pitchFamily="34" charset="0"/>
+              <a:buFont typeface="Arial" panose="02080604020202020204" pitchFamily="34" charset="0"/>
               <a:buChar char="•"/>
             </a:pPr>
             <a:r>
               <a:rPr lang="en-US" dirty="0"/>
               <a:t>Reservation</a:t>
             </a:r>
+            <a:endParaRPr lang="en-US" dirty="0"/>
           </a:p>
           <a:p>
             <a:pPr marL="285750" indent="-285750">
-              <a:buFont typeface="Arial" panose="020B0604020202020204" pitchFamily="34" charset="0"/>
+              <a:buFont typeface="Arial" panose="02080604020202020204" pitchFamily="34" charset="0"/>
               <a:buChar char="•"/>
             </a:pPr>
             <a:r>
               <a:rPr lang="en-US" dirty="0"/>
               <a:t>Polling </a:t>
             </a:r>
+            <a:endParaRPr lang="en-US" dirty="0"/>
           </a:p>
           <a:p>
             <a:pPr marL="285750" indent="-285750">
-              <a:buFont typeface="Arial" panose="020B0604020202020204" pitchFamily="34" charset="0"/>
+              <a:buFont typeface="Arial" panose="02080604020202020204" pitchFamily="34" charset="0"/>
               <a:buChar char="•"/>
             </a:pPr>
             <a:r>
@@ -4663,26 +4574,29 @@
               <a:rPr lang="en-US" sz="3200" b="1" dirty="0"/>
               <a:t>Reservation</a:t>
             </a:r>
+            <a:endParaRPr lang="en-US" sz="3200" b="1" dirty="0"/>
           </a:p>
           <a:p>
             <a:pPr marL="285750" indent="-285750">
-              <a:buFont typeface="Arial" panose="020B0604020202020204" pitchFamily="34" charset="0"/>
+              <a:buFont typeface="Arial" panose="02080604020202020204" pitchFamily="34" charset="0"/>
               <a:buChar char="•"/>
             </a:pPr>
             <a:r>
               <a:rPr lang="en-US" dirty="0"/>
               <a:t>In the reservation method, a station needs to make a reservation before sending data.</a:t>
             </a:r>
+            <a:endParaRPr lang="en-US" dirty="0"/>
           </a:p>
           <a:p>
             <a:pPr marL="285750" indent="-285750">
-              <a:buFont typeface="Arial" panose="020B0604020202020204" pitchFamily="34" charset="0"/>
+              <a:buFont typeface="Arial" panose="02080604020202020204" pitchFamily="34" charset="0"/>
               <a:buChar char="•"/>
             </a:pPr>
             <a:r>
               <a:rPr lang="en-US" dirty="0"/>
               <a:t>The time line has two kinds of periods:</a:t>
             </a:r>
+            <a:endParaRPr lang="en-US" dirty="0"/>
           </a:p>
           <a:p>
             <a:pPr marL="342900" indent="-342900">
@@ -4693,6 +4607,7 @@
               <a:rPr lang="en-US" dirty="0"/>
               <a:t>Reservation interval of fixed time length</a:t>
             </a:r>
+            <a:endParaRPr lang="en-US" dirty="0"/>
           </a:p>
           <a:p>
             <a:pPr marL="342900" indent="-342900">
@@ -4703,30 +4618,33 @@
               <a:rPr lang="en-US" dirty="0"/>
               <a:t>Data transmission period of variable frames.</a:t>
             </a:r>
+            <a:endParaRPr lang="en-US" dirty="0"/>
           </a:p>
           <a:p>
             <a:pPr marL="285750" indent="-285750">
-              <a:buFont typeface="Arial" panose="020B0604020202020204" pitchFamily="34" charset="0"/>
+              <a:buFont typeface="Arial" panose="02080604020202020204" pitchFamily="34" charset="0"/>
               <a:buChar char="•"/>
             </a:pPr>
             <a:r>
               <a:rPr lang="en-US" dirty="0"/>
               <a:t>If there are M stations, the reservation interval is divided into M slots, and each station has one slot.</a:t>
             </a:r>
+            <a:endParaRPr lang="en-US" dirty="0"/>
           </a:p>
           <a:p>
             <a:pPr marL="285750" indent="-285750">
-              <a:buFont typeface="Arial" panose="020B0604020202020204" pitchFamily="34" charset="0"/>
+              <a:buFont typeface="Arial" panose="02080604020202020204" pitchFamily="34" charset="0"/>
               <a:buChar char="•"/>
             </a:pPr>
             <a:r>
               <a:rPr lang="en-US" dirty="0"/>
               <a:t>Suppose if station 1 has a frame to send, it transmits 1 bit during the slot 1. No other station is allowed to transmit during this slot.</a:t>
             </a:r>
+            <a:endParaRPr lang="en-US" dirty="0"/>
           </a:p>
           <a:p>
             <a:pPr marL="285750" indent="-285750">
-              <a:buFont typeface="Arial" panose="020B0604020202020204" pitchFamily="34" charset="0"/>
+              <a:buFont typeface="Arial" panose="02080604020202020204" pitchFamily="34" charset="0"/>
               <a:buChar char="•"/>
             </a:pPr>
             <a:r>
@@ -4765,30 +4683,33 @@
               <a:rPr lang="en-US" dirty="0"/>
               <a:t> slot. After all N slots have been checked, each station knows which stations wish to transmit.</a:t>
             </a:r>
+            <a:endParaRPr lang="en-US" dirty="0"/>
           </a:p>
           <a:p>
             <a:pPr marL="285750" indent="-285750">
-              <a:buFont typeface="Arial" panose="020B0604020202020204" pitchFamily="34" charset="0"/>
+              <a:buFont typeface="Arial" panose="02080604020202020204" pitchFamily="34" charset="0"/>
               <a:buChar char="•"/>
             </a:pPr>
             <a:r>
               <a:rPr lang="en-US" dirty="0"/>
               <a:t>The stations which have reserved their slots transfer their frames in that order.</a:t>
             </a:r>
+            <a:endParaRPr lang="en-US" dirty="0"/>
           </a:p>
           <a:p>
             <a:pPr marL="285750" indent="-285750">
-              <a:buFont typeface="Arial" panose="020B0604020202020204" pitchFamily="34" charset="0"/>
+              <a:buFont typeface="Arial" panose="02080604020202020204" pitchFamily="34" charset="0"/>
               <a:buChar char="•"/>
             </a:pPr>
             <a:r>
               <a:rPr lang="en-US" dirty="0"/>
               <a:t>After data transmission period, next reservation interval begins.</a:t>
             </a:r>
+            <a:endParaRPr lang="en-US" dirty="0"/>
           </a:p>
           <a:p>
             <a:pPr marL="285750" indent="-285750">
-              <a:buFont typeface="Arial" panose="020B0604020202020204" pitchFamily="34" charset="0"/>
+              <a:buFont typeface="Arial" panose="02080604020202020204" pitchFamily="34" charset="0"/>
               <a:buChar char="•"/>
             </a:pPr>
             <a:r>
@@ -4800,11 +4721,6 @@
         </p:txBody>
       </p:sp>
     </p:spTree>
-    <p:extLst>
-      <p:ext uri="{BB962C8B-B14F-4D97-AF65-F5344CB8AC3E}">
-        <p14:creationId xmlns:p14="http://schemas.microsoft.com/office/powerpoint/2010/main" val="3432518615"/>
-      </p:ext>
-    </p:extLst>
   </p:cSld>
   <p:clrMapOvr>
     <a:masterClrMapping/>
@@ -4838,7 +4754,7 @@
           <p:nvPr/>
         </p:nvPicPr>
         <p:blipFill>
-          <a:blip r:embed="rId2"/>
+          <a:blip r:embed="rId1"/>
           <a:stretch>
             <a:fillRect/>
           </a:stretch>
@@ -4883,11 +4799,6 @@
         </p:txBody>
       </p:sp>
     </p:spTree>
-    <p:extLst>
-      <p:ext uri="{BB962C8B-B14F-4D97-AF65-F5344CB8AC3E}">
-        <p14:creationId xmlns:p14="http://schemas.microsoft.com/office/powerpoint/2010/main" val="3109351188"/>
-      </p:ext>
-    </p:extLst>
   </p:cSld>
   <p:clrMapOvr>
     <a:masterClrMapping/>
@@ -4937,50 +4848,55 @@
               <a:rPr lang="en-US" sz="3200" b="1" dirty="0"/>
               <a:t>Polling</a:t>
             </a:r>
+            <a:endParaRPr lang="en-US" sz="3200" b="1" dirty="0"/>
           </a:p>
           <a:p>
             <a:pPr marL="285750" indent="-285750">
-              <a:buFont typeface="Arial" panose="020B0604020202020204" pitchFamily="34" charset="0"/>
+              <a:buFont typeface="Arial" panose="02080604020202020204" pitchFamily="34" charset="0"/>
               <a:buChar char="•"/>
             </a:pPr>
             <a:r>
               <a:rPr lang="en-US" dirty="0"/>
               <a:t>Polling process is similar to the roll-call performed in class. Just like the teacher, a controller sends a message to each node in turn.</a:t>
             </a:r>
+            <a:endParaRPr lang="en-US" dirty="0"/>
           </a:p>
           <a:p>
             <a:pPr marL="285750" indent="-285750">
-              <a:buFont typeface="Arial" panose="020B0604020202020204" pitchFamily="34" charset="0"/>
+              <a:buFont typeface="Arial" panose="02080604020202020204" pitchFamily="34" charset="0"/>
               <a:buChar char="•"/>
             </a:pPr>
             <a:r>
               <a:rPr lang="en-US" dirty="0"/>
               <a:t>In this, one acts as a primary station(controller) and the others are secondary stations. All data exchanges must be made through the controller.</a:t>
             </a:r>
+            <a:endParaRPr lang="en-US" dirty="0"/>
           </a:p>
           <a:p>
             <a:pPr marL="285750" indent="-285750">
-              <a:buFont typeface="Arial" panose="020B0604020202020204" pitchFamily="34" charset="0"/>
+              <a:buFont typeface="Arial" panose="02080604020202020204" pitchFamily="34" charset="0"/>
               <a:buChar char="•"/>
             </a:pPr>
             <a:r>
               <a:rPr lang="en-US" dirty="0"/>
               <a:t>The message sent by the controller contains the address of the node being selected for granting access.</a:t>
             </a:r>
+            <a:endParaRPr lang="en-US" dirty="0"/>
           </a:p>
           <a:p>
             <a:pPr marL="285750" indent="-285750">
-              <a:buFont typeface="Arial" panose="020B0604020202020204" pitchFamily="34" charset="0"/>
+              <a:buFont typeface="Arial" panose="02080604020202020204" pitchFamily="34" charset="0"/>
               <a:buChar char="•"/>
             </a:pPr>
             <a:r>
               <a:rPr lang="en-US" dirty="0"/>
               <a:t>Although all nodes receive the message but the addressed one responds to it and sends data, if any. If there is no data, usually a “poll reject”(NAK) message is sent back.</a:t>
             </a:r>
+            <a:endParaRPr lang="en-US" dirty="0"/>
           </a:p>
           <a:p>
             <a:pPr marL="285750" indent="-285750">
-              <a:buFont typeface="Arial" panose="020B0604020202020204" pitchFamily="34" charset="0"/>
+              <a:buFont typeface="Arial" panose="02080604020202020204" pitchFamily="34" charset="0"/>
               <a:buChar char="•"/>
             </a:pPr>
             <a:r>
@@ -5000,7 +4916,7 @@
           <p:nvPr/>
         </p:nvPicPr>
         <p:blipFill>
-          <a:blip r:embed="rId2"/>
+          <a:blip r:embed="rId1"/>
           <a:stretch>
             <a:fillRect/>
           </a:stretch>
@@ -5016,11 +4932,6 @@
         </p:spPr>
       </p:pic>
     </p:spTree>
-    <p:extLst>
-      <p:ext uri="{BB962C8B-B14F-4D97-AF65-F5344CB8AC3E}">
-        <p14:creationId xmlns:p14="http://schemas.microsoft.com/office/powerpoint/2010/main" val="2963361163"/>
-      </p:ext>
-    </p:extLst>
   </p:cSld>
   <p:clrMapOvr>
     <a:masterClrMapping/>
@@ -5074,6 +4985,7 @@
               <a:rPr lang="en-IN" dirty="0"/>
               <a:t> </a:t>
             </a:r>
+            <a:endParaRPr lang="en-IN" dirty="0"/>
           </a:p>
         </p:txBody>
       </p:sp>
@@ -5102,23 +5014,25 @@
               <a:rPr lang="en-US" dirty="0"/>
               <a:t>The Data Link Layer is responsible for transmission of data between two nodes. Its main functions are-</a:t>
             </a:r>
-          </a:p>
-          <a:p>
             <a:endParaRPr lang="en-US" dirty="0"/>
           </a:p>
           <a:p>
+            <a:endParaRPr lang="en-US" dirty="0"/>
+          </a:p>
+          <a:p>
             <a:pPr marL="285750" indent="-285750">
-              <a:buFont typeface="Arial" panose="020B0604020202020204" pitchFamily="34" charset="0"/>
+              <a:buFont typeface="Arial" panose="02080604020202020204" pitchFamily="34" charset="0"/>
               <a:buChar char="•"/>
             </a:pPr>
             <a:r>
               <a:rPr lang="en-US" dirty="0"/>
               <a:t>Data Link Control</a:t>
             </a:r>
+            <a:endParaRPr lang="en-US" dirty="0"/>
           </a:p>
           <a:p>
             <a:pPr marL="285750" indent="-285750">
-              <a:buFont typeface="Arial" panose="020B0604020202020204" pitchFamily="34" charset="0"/>
+              <a:buFont typeface="Arial" panose="02080604020202020204" pitchFamily="34" charset="0"/>
               <a:buChar char="•"/>
             </a:pPr>
             <a:r>
@@ -5138,7 +5052,7 @@
           <p:nvPr/>
         </p:nvPicPr>
         <p:blipFill>
-          <a:blip r:embed="rId2"/>
+          <a:blip r:embed="rId1"/>
           <a:stretch>
             <a:fillRect/>
           </a:stretch>
@@ -5162,7 +5076,7 @@
         <p:spPr>
           <a:xfrm>
             <a:off x="506506" y="2579906"/>
-            <a:ext cx="11515164" cy="4278094"/>
+            <a:ext cx="11515164" cy="4554220"/>
           </a:xfrm>
           <a:prstGeom prst="rect">
             <a:avLst/>
@@ -5178,12 +5092,14 @@
               <a:rPr lang="en-US" sz="2800" b="1" dirty="0"/>
               <a:t>Data Link control –</a:t>
             </a:r>
+            <a:endParaRPr lang="en-US" sz="2800" b="1" dirty="0"/>
           </a:p>
           <a:p>
             <a:r>
               <a:rPr lang="en-US" dirty="0"/>
               <a:t>The data link control is responsible for reliable transmission of message over transmission channel by using techniques like framing, error control and flow control. For Data link control refer to – Stop and Wait ARQ</a:t>
             </a:r>
+            <a:endParaRPr lang="en-US" dirty="0"/>
           </a:p>
           <a:p>
             <a:endParaRPr lang="en-US" dirty="0"/>
@@ -5193,12 +5109,14 @@
               <a:rPr lang="en-US" sz="2800" b="1" dirty="0"/>
               <a:t>Multiple Access Control –</a:t>
             </a:r>
+            <a:endParaRPr lang="en-US" sz="2800" b="1" dirty="0"/>
           </a:p>
           <a:p>
             <a:r>
               <a:rPr lang="en-US" dirty="0"/>
               <a:t>If there is a dedicated link between the sender and the receiver then data link control layer is sufficient, however if there is no dedicated link present then multiple stations can access the channel simultaneously. Hence multiple access protocols are required to decrease collision and avoid crosstalk. For example, in a classroom full of students, when a teacher asks a question and all the students (or stations) start answering simultaneously (send data at same time) then a lot of chaos is created( data overlap or data lost) then it is the job of the teacher (multiple access protocols) to manage the students and make them answer one at a time.</a:t>
             </a:r>
+            <a:endParaRPr lang="en-US" dirty="0"/>
           </a:p>
           <a:p>
             <a:endParaRPr lang="en-US" dirty="0"/>
@@ -5213,11 +5131,6 @@
         </p:txBody>
       </p:sp>
     </p:spTree>
-    <p:extLst>
-      <p:ext uri="{BB962C8B-B14F-4D97-AF65-F5344CB8AC3E}">
-        <p14:creationId xmlns:p14="http://schemas.microsoft.com/office/powerpoint/2010/main" val="1410215925"/>
-      </p:ext>
-    </p:extLst>
   </p:cSld>
   <p:clrMapOvr>
     <a:masterClrMapping/>
@@ -5251,7 +5164,7 @@
           <p:nvPr/>
         </p:nvPicPr>
         <p:blipFill>
-          <a:blip r:embed="rId2"/>
+          <a:blip r:embed="rId1"/>
           <a:stretch>
             <a:fillRect/>
           </a:stretch>
@@ -5313,9 +5226,6 @@
         </p:spPr>
         <p:txBody>
           <a:bodyPr vert="horz" wrap="square" lIns="0" tIns="0" rIns="0" bIns="0" numCol="1" anchor="ctr" anchorCtr="0" compatLnSpc="1">
-            <a:prstTxWarp prst="textNoShape">
-              <a:avLst/>
-            </a:prstTxWarp>
             <a:spAutoFit/>
           </a:bodyPr>
           <a:lstStyle/>
@@ -5334,7 +5244,6 @@
               <a:buSzTx/>
               <a:buFontTx/>
               <a:buNone/>
-              <a:tabLst/>
             </a:pPr>
             <a:r>
               <a:rPr kumimoji="0" lang="en-US" sz="3200" b="1" i="0" u="none" strike="noStrike" cap="none" normalizeH="0" baseline="0" dirty="0">
@@ -5478,7 +5387,6 @@
               <a:buSzTx/>
               <a:buFontTx/>
               <a:buNone/>
-              <a:tabLst/>
             </a:pPr>
             <a:r>
               <a:rPr kumimoji="0" lang="en-US" sz="3200" b="0" i="0" u="none" strike="noStrike" cap="none" normalizeH="0" baseline="0" dirty="0">
@@ -5630,17 +5538,12 @@
                 <a:schemeClr val="tx1"/>
               </a:solidFill>
               <a:effectLst/>
-              <a:latin typeface="Arial" panose="020B0604020202020204" pitchFamily="34" charset="0"/>
+              <a:latin typeface="Arial" panose="02080604020202020204" pitchFamily="34" charset="0"/>
             </a:endParaRPr>
           </a:p>
         </p:txBody>
       </p:sp>
     </p:spTree>
-    <p:extLst>
-      <p:ext uri="{BB962C8B-B14F-4D97-AF65-F5344CB8AC3E}">
-        <p14:creationId xmlns:p14="http://schemas.microsoft.com/office/powerpoint/2010/main" val="4253196864"/>
-      </p:ext>
-    </p:extLst>
   </p:cSld>
   <p:clrMapOvr>
     <a:masterClrMapping/>
@@ -5690,60 +5593,66 @@
               <a:rPr lang="en-US" sz="3200" b="1" dirty="0"/>
               <a:t>Token Passing</a:t>
             </a:r>
+            <a:endParaRPr lang="en-US" sz="3200" b="1" dirty="0"/>
           </a:p>
           <a:p>
             <a:pPr marL="285750" indent="-285750">
-              <a:buFont typeface="Arial" panose="020B0604020202020204" pitchFamily="34" charset="0"/>
+              <a:buFont typeface="Arial" panose="02080604020202020204" pitchFamily="34" charset="0"/>
               <a:buChar char="•"/>
             </a:pPr>
             <a:r>
               <a:rPr lang="en-US" sz="2400" dirty="0"/>
               <a:t>In token passing scheme, the stations are connected logically to each other in form of ring and access of stations is governed by tokens.</a:t>
             </a:r>
+            <a:endParaRPr lang="en-US" sz="2400" dirty="0"/>
           </a:p>
           <a:p>
             <a:pPr marL="285750" indent="-285750">
-              <a:buFont typeface="Arial" panose="020B0604020202020204" pitchFamily="34" charset="0"/>
+              <a:buFont typeface="Arial" panose="02080604020202020204" pitchFamily="34" charset="0"/>
               <a:buChar char="•"/>
             </a:pPr>
             <a:r>
               <a:rPr lang="en-US" sz="2400" dirty="0"/>
               <a:t>A token is a special bit pattern or a small message, which circulate from one station to the next in the some predefined order.</a:t>
             </a:r>
+            <a:endParaRPr lang="en-US" sz="2400" dirty="0"/>
           </a:p>
           <a:p>
             <a:pPr marL="285750" indent="-285750">
-              <a:buFont typeface="Arial" panose="020B0604020202020204" pitchFamily="34" charset="0"/>
+              <a:buFont typeface="Arial" panose="02080604020202020204" pitchFamily="34" charset="0"/>
               <a:buChar char="•"/>
             </a:pPr>
             <a:r>
               <a:rPr lang="en-US" sz="2400" dirty="0"/>
               <a:t>In Token ring, token is passed from one station to another adjacent station in the ring whereas incase of Token bus, each station uses the bus to send the token to the next station in some predefined order.</a:t>
             </a:r>
+            <a:endParaRPr lang="en-US" sz="2400" dirty="0"/>
           </a:p>
           <a:p>
             <a:pPr marL="285750" indent="-285750">
-              <a:buFont typeface="Arial" panose="020B0604020202020204" pitchFamily="34" charset="0"/>
+              <a:buFont typeface="Arial" panose="02080604020202020204" pitchFamily="34" charset="0"/>
               <a:buChar char="•"/>
             </a:pPr>
             <a:r>
               <a:rPr lang="en-US" sz="2400" dirty="0"/>
               <a:t>In both cases, token represents permission to send. If a station has a frame queued for transmission when it receives the token, it can send that frame before it passes the token to the next station. If it has no queued frame, it passes the token simply.</a:t>
             </a:r>
+            <a:endParaRPr lang="en-US" sz="2400" dirty="0"/>
           </a:p>
           <a:p>
             <a:pPr marL="285750" indent="-285750">
-              <a:buFont typeface="Arial" panose="020B0604020202020204" pitchFamily="34" charset="0"/>
+              <a:buFont typeface="Arial" panose="02080604020202020204" pitchFamily="34" charset="0"/>
               <a:buChar char="•"/>
             </a:pPr>
             <a:r>
               <a:rPr lang="en-US" sz="2400" dirty="0"/>
               <a:t>After sending a frame, each station must wait for all N stations (including itself) to send the token to their neighbors and the other N – 1 stations to send a frame, if they have one.</a:t>
             </a:r>
+            <a:endParaRPr lang="en-US" sz="2400" dirty="0"/>
           </a:p>
           <a:p>
             <a:pPr marL="285750" indent="-285750">
-              <a:buFont typeface="Arial" panose="020B0604020202020204" pitchFamily="34" charset="0"/>
+              <a:buFont typeface="Arial" panose="02080604020202020204" pitchFamily="34" charset="0"/>
               <a:buChar char="•"/>
             </a:pPr>
             <a:r>
@@ -5755,11 +5664,6 @@
         </p:txBody>
       </p:sp>
     </p:spTree>
-    <p:extLst>
-      <p:ext uri="{BB962C8B-B14F-4D97-AF65-F5344CB8AC3E}">
-        <p14:creationId xmlns:p14="http://schemas.microsoft.com/office/powerpoint/2010/main" val="376622261"/>
-      </p:ext>
-    </p:extLst>
   </p:cSld>
   <p:clrMapOvr>
     <a:masterClrMapping/>
@@ -5793,7 +5697,7 @@
           <p:nvPr/>
         </p:nvPicPr>
         <p:blipFill>
-          <a:blip r:embed="rId2"/>
+          <a:blip r:embed="rId1"/>
           <a:stretch>
             <a:fillRect/>
           </a:stretch>
@@ -5809,11 +5713,6 @@
         </p:spPr>
       </p:pic>
     </p:spTree>
-    <p:extLst>
-      <p:ext uri="{BB962C8B-B14F-4D97-AF65-F5344CB8AC3E}">
-        <p14:creationId xmlns:p14="http://schemas.microsoft.com/office/powerpoint/2010/main" val="1380653479"/>
-      </p:ext>
-    </p:extLst>
   </p:cSld>
   <p:clrMapOvr>
     <a:masterClrMapping/>
@@ -5885,9 +5784,6 @@
         </p:spPr>
         <p:txBody>
           <a:bodyPr vert="horz" wrap="square" lIns="0" tIns="0" rIns="0" bIns="0" numCol="1" anchor="ctr" anchorCtr="0" compatLnSpc="1">
-            <a:prstTxWarp prst="textNoShape">
-              <a:avLst/>
-            </a:prstTxWarp>
             <a:spAutoFit/>
           </a:bodyPr>
           <a:lstStyle>
@@ -5902,7 +5798,7 @@
                 <a:solidFill>
                   <a:schemeClr val="tx1"/>
                 </a:solidFill>
-                <a:latin typeface="Arial" panose="020B0604020202020204" pitchFamily="34" charset="0"/>
+                <a:latin typeface="Arial" panose="02080604020202020204" pitchFamily="34" charset="0"/>
               </a:defRPr>
             </a:lvl1pPr>
             <a:lvl2pPr eaLnBrk="0" fontAlgn="base" hangingPunct="0">
@@ -5916,7 +5812,7 @@
                 <a:solidFill>
                   <a:schemeClr val="tx1"/>
                 </a:solidFill>
-                <a:latin typeface="Arial" panose="020B0604020202020204" pitchFamily="34" charset="0"/>
+                <a:latin typeface="Arial" panose="02080604020202020204" pitchFamily="34" charset="0"/>
               </a:defRPr>
             </a:lvl2pPr>
             <a:lvl3pPr eaLnBrk="0" fontAlgn="base" hangingPunct="0">
@@ -5930,7 +5826,7 @@
                 <a:solidFill>
                   <a:schemeClr val="tx1"/>
                 </a:solidFill>
-                <a:latin typeface="Arial" panose="020B0604020202020204" pitchFamily="34" charset="0"/>
+                <a:latin typeface="Arial" panose="02080604020202020204" pitchFamily="34" charset="0"/>
               </a:defRPr>
             </a:lvl3pPr>
             <a:lvl4pPr eaLnBrk="0" fontAlgn="base" hangingPunct="0">
@@ -5944,7 +5840,7 @@
                 <a:solidFill>
                   <a:schemeClr val="tx1"/>
                 </a:solidFill>
-                <a:latin typeface="Arial" panose="020B0604020202020204" pitchFamily="34" charset="0"/>
+                <a:latin typeface="Arial" panose="02080604020202020204" pitchFamily="34" charset="0"/>
               </a:defRPr>
             </a:lvl4pPr>
             <a:lvl5pPr eaLnBrk="0" fontAlgn="base" hangingPunct="0">
@@ -5958,7 +5854,7 @@
                 <a:solidFill>
                   <a:schemeClr val="tx1"/>
                 </a:solidFill>
-                <a:latin typeface="Arial" panose="020B0604020202020204" pitchFamily="34" charset="0"/>
+                <a:latin typeface="Arial" panose="02080604020202020204" pitchFamily="34" charset="0"/>
               </a:defRPr>
             </a:lvl5pPr>
             <a:lvl6pPr eaLnBrk="0" fontAlgn="base" hangingPunct="0">
@@ -5972,7 +5868,7 @@
                 <a:solidFill>
                   <a:schemeClr val="tx1"/>
                 </a:solidFill>
-                <a:latin typeface="Arial" panose="020B0604020202020204" pitchFamily="34" charset="0"/>
+                <a:latin typeface="Arial" panose="02080604020202020204" pitchFamily="34" charset="0"/>
               </a:defRPr>
             </a:lvl6pPr>
             <a:lvl7pPr eaLnBrk="0" fontAlgn="base" hangingPunct="0">
@@ -5986,7 +5882,7 @@
                 <a:solidFill>
                   <a:schemeClr val="tx1"/>
                 </a:solidFill>
-                <a:latin typeface="Arial" panose="020B0604020202020204" pitchFamily="34" charset="0"/>
+                <a:latin typeface="Arial" panose="02080604020202020204" pitchFamily="34" charset="0"/>
               </a:defRPr>
             </a:lvl7pPr>
             <a:lvl8pPr eaLnBrk="0" fontAlgn="base" hangingPunct="0">
@@ -6000,7 +5896,7 @@
                 <a:solidFill>
                   <a:schemeClr val="tx1"/>
                 </a:solidFill>
-                <a:latin typeface="Arial" panose="020B0604020202020204" pitchFamily="34" charset="0"/>
+                <a:latin typeface="Arial" panose="02080604020202020204" pitchFamily="34" charset="0"/>
               </a:defRPr>
             </a:lvl8pPr>
             <a:lvl9pPr eaLnBrk="0" fontAlgn="base" hangingPunct="0">
@@ -6014,7 +5910,7 @@
                 <a:solidFill>
                   <a:schemeClr val="tx1"/>
                 </a:solidFill>
-                <a:latin typeface="Arial" panose="020B0604020202020204" pitchFamily="34" charset="0"/>
+                <a:latin typeface="Arial" panose="02080604020202020204" pitchFamily="34" charset="0"/>
               </a:defRPr>
             </a:lvl9pPr>
           </a:lstStyle>
@@ -6033,7 +5929,6 @@
               <a:buSzTx/>
               <a:buFontTx/>
               <a:buNone/>
-              <a:tabLst/>
             </a:pPr>
             <a:r>
               <a:rPr kumimoji="0" lang="en-US" sz="3200" b="1" i="0" u="none" strike="noStrike" cap="none" normalizeH="0" baseline="0" dirty="0">
@@ -6048,6 +5943,16 @@
               </a:rPr>
               <a:t>Performance</a:t>
             </a:r>
+            <a:endParaRPr kumimoji="0" lang="en-US" sz="3200" b="1" i="0" u="none" strike="noStrike" cap="none" normalizeH="0" baseline="0" dirty="0">
+              <a:ln>
+                <a:noFill/>
+              </a:ln>
+              <a:solidFill>
+                <a:srgbClr val="40424E"/>
+              </a:solidFill>
+              <a:effectLst/>
+              <a:latin typeface="urw-din"/>
+            </a:endParaRPr>
           </a:p>
           <a:p>
             <a:pPr marL="0" marR="0" lvl="0" indent="0" algn="l" defTabSz="914400" rtl="0" eaLnBrk="0" fontAlgn="base" latinLnBrk="0" hangingPunct="0">
@@ -6064,7 +5969,6 @@
               <a:buSzTx/>
               <a:buFontTx/>
               <a:buNone/>
-              <a:tabLst/>
             </a:pPr>
             <a:br>
               <a:rPr kumimoji="0" lang="en-US" sz="2400" b="0" i="0" u="none" strike="noStrike" cap="none" normalizeH="0" baseline="0" dirty="0">
@@ -6091,6 +5995,16 @@
               </a:rPr>
               <a:t>Performance of token ring can be concluded by 2 parameters:-</a:t>
             </a:r>
+            <a:endParaRPr kumimoji="0" lang="en-US" sz="2400" b="0" i="0" u="none" strike="noStrike" cap="none" normalizeH="0" baseline="0" dirty="0">
+              <a:ln>
+                <a:noFill/>
+              </a:ln>
+              <a:solidFill>
+                <a:srgbClr val="40424E"/>
+              </a:solidFill>
+              <a:effectLst/>
+              <a:latin typeface="urw-din"/>
+            </a:endParaRPr>
           </a:p>
           <a:p>
             <a:pPr marL="0" marR="0" lvl="0" indent="0" algn="l" defTabSz="914400" rtl="0" eaLnBrk="0" fontAlgn="base" latinLnBrk="0" hangingPunct="0">
@@ -6107,7 +6021,6 @@
               <a:buSzTx/>
               <a:buFontTx/>
               <a:buNone/>
-              <a:tabLst/>
             </a:pPr>
             <a:endParaRPr kumimoji="0" lang="en-US" sz="2400" b="0" i="0" u="none" strike="noStrike" cap="none" normalizeH="0" baseline="0" dirty="0">
               <a:ln>
@@ -6134,7 +6047,6 @@
               <a:buSzTx/>
               <a:buFontTx/>
               <a:buAutoNum type="arabicPeriod"/>
-              <a:tabLst/>
             </a:pPr>
             <a:r>
               <a:rPr kumimoji="0" lang="en-US" sz="2400" b="1" i="0" u="none" strike="noStrike" cap="none" normalizeH="0" baseline="0" dirty="0">
@@ -6162,6 +6074,16 @@
               </a:rPr>
               <a:t>, which is a measure of time between when a packet is ready and when it is delivered. So, the average time (delay) required to send a token to the next station = a/N.</a:t>
             </a:r>
+            <a:endParaRPr kumimoji="0" lang="en-US" sz="2400" b="0" i="0" u="none" strike="noStrike" cap="none" normalizeH="0" baseline="0" dirty="0">
+              <a:ln>
+                <a:noFill/>
+              </a:ln>
+              <a:solidFill>
+                <a:srgbClr val="40424E"/>
+              </a:solidFill>
+              <a:effectLst/>
+              <a:latin typeface="urw-din"/>
+            </a:endParaRPr>
           </a:p>
           <a:p>
             <a:pPr marL="0" marR="0" lvl="0" indent="0" algn="l" defTabSz="914400" rtl="0" eaLnBrk="0" fontAlgn="base" latinLnBrk="0" hangingPunct="0">
@@ -6176,7 +6098,6 @@
               </a:spcAft>
               <a:buClrTx/>
               <a:buSzTx/>
-              <a:tabLst/>
             </a:pPr>
             <a:endParaRPr kumimoji="0" lang="en-US" sz="2400" b="0" i="0" u="none" strike="noStrike" cap="none" normalizeH="0" baseline="0" dirty="0">
               <a:ln>
@@ -6204,7 +6125,6 @@
               <a:buSzTx/>
               <a:buFontTx/>
               <a:buAutoNum type="arabicPeriod" startAt="2"/>
-              <a:tabLst/>
             </a:pPr>
             <a:r>
               <a:rPr kumimoji="0" lang="en-US" sz="2400" b="1" i="0" u="none" strike="noStrike" cap="none" normalizeH="0" baseline="0" dirty="0">
@@ -6232,6 +6152,16 @@
               </a:rPr>
               <a:t>, which is a measure of the successful traffic.</a:t>
             </a:r>
+            <a:endParaRPr kumimoji="0" lang="en-US" sz="2400" b="0" i="0" u="none" strike="noStrike" cap="none" normalizeH="0" baseline="0" dirty="0">
+              <a:ln>
+                <a:noFill/>
+              </a:ln>
+              <a:solidFill>
+                <a:srgbClr val="40424E"/>
+              </a:solidFill>
+              <a:effectLst/>
+              <a:latin typeface="urw-din"/>
+            </a:endParaRPr>
           </a:p>
           <a:p>
             <a:pPr marL="0" marR="0" lvl="0" indent="0" algn="l" defTabSz="914400" rtl="0" eaLnBrk="0" fontAlgn="base" latinLnBrk="0" hangingPunct="0">
@@ -6248,7 +6178,6 @@
               <a:buSzTx/>
               <a:buFontTx/>
               <a:buNone/>
-              <a:tabLst/>
             </a:pPr>
             <a:r>
               <a:rPr kumimoji="0" lang="en-US" sz="2400" b="0" i="0" u="none" strike="noStrike" cap="none" normalizeH="0" baseline="0" dirty="0">
@@ -6288,7 +6217,6 @@
               <a:buSzTx/>
               <a:buFontTx/>
               <a:buNone/>
-              <a:tabLst/>
             </a:pPr>
             <a:r>
               <a:rPr kumimoji="0" lang="en-US" sz="2400" b="0" i="0" u="none" strike="noStrike" cap="none" normalizeH="0" baseline="0" dirty="0">
@@ -6329,7 +6257,6 @@
               <a:buSzTx/>
               <a:buFontTx/>
               <a:buNone/>
-              <a:tabLst/>
             </a:pPr>
             <a:r>
               <a:rPr kumimoji="0" lang="en-US" sz="2400" b="0" i="0" u="none" strike="noStrike" cap="none" normalizeH="0" baseline="0" dirty="0">
@@ -6512,15 +6439,19 @@
               </a:rPr>
               <a:t> </a:t>
             </a:r>
+            <a:endParaRPr kumimoji="0" lang="en-US" sz="2400" b="0" i="0" u="none" strike="noStrike" cap="none" normalizeH="0" baseline="0" dirty="0">
+              <a:ln>
+                <a:noFill/>
+              </a:ln>
+              <a:solidFill>
+                <a:schemeClr val="tx1"/>
+              </a:solidFill>
+              <a:effectLst/>
+            </a:endParaRPr>
           </a:p>
         </p:txBody>
       </p:sp>
     </p:spTree>
-    <p:extLst>
-      <p:ext uri="{BB962C8B-B14F-4D97-AF65-F5344CB8AC3E}">
-        <p14:creationId xmlns:p14="http://schemas.microsoft.com/office/powerpoint/2010/main" val="1286782475"/>
-      </p:ext>
-    </p:extLst>
   </p:cSld>
   <p:clrMapOvr>
     <a:masterClrMapping/>
@@ -6570,12 +6501,14 @@
               <a:rPr lang="en-US" sz="3200" b="1" dirty="0"/>
               <a:t>Channelization Protocols</a:t>
             </a:r>
+            <a:endParaRPr lang="en-US" sz="3200" b="1" dirty="0"/>
           </a:p>
           <a:p>
             <a:r>
               <a:rPr lang="en-US" sz="2000" dirty="0"/>
               <a:t>It is a channelization protocol that allows the total usable bandwidth in a shared channel to be shared across multiple stations based on their time, distance and codes. It can access all the stations at the same time to send the data frames to the channel.</a:t>
             </a:r>
+            <a:endParaRPr lang="en-US" sz="2000" dirty="0"/>
           </a:p>
           <a:p>
             <a:endParaRPr lang="en-US" sz="2000" dirty="0"/>
@@ -6585,6 +6518,7 @@
               <a:rPr lang="en-US" sz="2000" dirty="0"/>
               <a:t>Following are the various methods to access the channel based on their time, distance and codes:</a:t>
             </a:r>
+            <a:endParaRPr lang="en-US" sz="2000" dirty="0"/>
           </a:p>
           <a:p>
             <a:endParaRPr lang="en-US" sz="2000" dirty="0"/>
@@ -6594,12 +6528,14 @@
               <a:rPr lang="en-US" sz="2000" dirty="0"/>
               <a:t>FDMA (Frequency Division Multiple Access)</a:t>
             </a:r>
+            <a:endParaRPr lang="en-US" sz="2000" dirty="0"/>
           </a:p>
           <a:p>
             <a:r>
               <a:rPr lang="en-US" sz="2000" dirty="0"/>
               <a:t>TDMA (Time Division Multiple Access)</a:t>
             </a:r>
+            <a:endParaRPr lang="en-US" sz="2000" dirty="0"/>
           </a:p>
           <a:p>
             <a:r>
@@ -6635,23 +6571,25 @@
               <a:rPr lang="en-US" sz="3200" dirty="0"/>
               <a:t>FDMA</a:t>
             </a:r>
+            <a:endParaRPr lang="en-US" sz="3200" dirty="0"/>
           </a:p>
           <a:p>
             <a:endParaRPr lang="en-US" dirty="0"/>
           </a:p>
           <a:p>
             <a:pPr marL="342900" indent="-342900">
-              <a:buFont typeface="Arial" panose="020B0604020202020204" pitchFamily="34" charset="0"/>
+              <a:buFont typeface="Arial" panose="02080604020202020204" pitchFamily="34" charset="0"/>
               <a:buChar char="•"/>
             </a:pPr>
             <a:r>
               <a:rPr lang="en-US" sz="2000" dirty="0"/>
               <a:t>In frequency-division multiple access (FDMA), the available bandwidth is divided into frequency bands. Each station is allocated a band to send its data. </a:t>
             </a:r>
+            <a:endParaRPr lang="en-US" sz="2000" dirty="0"/>
           </a:p>
           <a:p>
             <a:pPr marL="342900" indent="-342900">
-              <a:buFont typeface="Arial" panose="020B0604020202020204" pitchFamily="34" charset="0"/>
+              <a:buFont typeface="Arial" panose="02080604020202020204" pitchFamily="34" charset="0"/>
               <a:buChar char="•"/>
             </a:pPr>
             <a:r>
@@ -6666,10 +6604,11 @@
               <a:rPr lang="en-US" sz="2000" dirty="0"/>
               <a:t> filter to confine the transmitter frequencies. </a:t>
             </a:r>
+            <a:endParaRPr lang="en-US" sz="2000" dirty="0"/>
           </a:p>
           <a:p>
             <a:pPr marL="342900" indent="-342900">
-              <a:buFont typeface="Arial" panose="020B0604020202020204" pitchFamily="34" charset="0"/>
+              <a:buFont typeface="Arial" panose="02080604020202020204" pitchFamily="34" charset="0"/>
               <a:buChar char="•"/>
             </a:pPr>
             <a:r>
@@ -6686,15 +6625,11 @@
               <a:rPr lang="en-US" sz="2000" dirty="0"/>
               <a:t> </a:t>
             </a:r>
+            <a:endParaRPr lang="en-US" sz="2000" dirty="0"/>
           </a:p>
         </p:txBody>
       </p:sp>
     </p:spTree>
-    <p:extLst>
-      <p:ext uri="{BB962C8B-B14F-4D97-AF65-F5344CB8AC3E}">
-        <p14:creationId xmlns:p14="http://schemas.microsoft.com/office/powerpoint/2010/main" val="325821836"/>
-      </p:ext>
-    </p:extLst>
   </p:cSld>
   <p:clrMapOvr>
     <a:masterClrMapping/>
@@ -6728,7 +6663,7 @@
           <p:nvPr/>
         </p:nvPicPr>
         <p:blipFill>
-          <a:blip r:embed="rId2">
+          <a:blip r:embed="rId1">
             <a:extLst>
               <a:ext uri="{28A0092B-C50C-407E-A947-70E740481C1C}">
                 <a14:useLocalDpi xmlns:a14="http://schemas.microsoft.com/office/drawing/2010/main" val="0"/>
@@ -6761,11 +6696,6 @@
         </p:spPr>
       </p:pic>
     </p:spTree>
-    <p:extLst>
-      <p:ext uri="{BB962C8B-B14F-4D97-AF65-F5344CB8AC3E}">
-        <p14:creationId xmlns:p14="http://schemas.microsoft.com/office/powerpoint/2010/main" val="698270929"/>
-      </p:ext>
-    </p:extLst>
   </p:cSld>
   <p:clrMapOvr>
     <a:masterClrMapping/>
@@ -6819,43 +6749,47 @@
           </a:p>
           <a:p>
             <a:pPr marL="285750" indent="-285750">
-              <a:buFont typeface="Arial" panose="020B0604020202020204" pitchFamily="34" charset="0"/>
+              <a:buFont typeface="Arial" panose="02080604020202020204" pitchFamily="34" charset="0"/>
               <a:buChar char="•"/>
             </a:pPr>
             <a:r>
               <a:rPr lang="en-US" sz="2000" dirty="0"/>
               <a:t>In time-division multiple access (TDMA), the stations share the bandwidth of the channel in time. Each station is allocated a time slot during which it can send data. Each station transmits its data in its assigned time slot. The following figure shows the idea behind TDMA.</a:t>
             </a:r>
+            <a:endParaRPr lang="en-US" sz="2000" dirty="0"/>
           </a:p>
           <a:p>
             <a:pPr marL="342900" indent="-342900">
-              <a:buFont typeface="Arial" panose="020B0604020202020204" pitchFamily="34" charset="0"/>
+              <a:buFont typeface="Arial" panose="02080604020202020204" pitchFamily="34" charset="0"/>
               <a:buChar char="•"/>
             </a:pPr>
             <a:r>
               <a:rPr lang="en-US" sz="2000" dirty="0"/>
               <a:t>The main problem with TDMA lies in achieving synchronization between the different stations. Each station needs to know the beginning of its slot and the location of its slot. </a:t>
             </a:r>
+            <a:endParaRPr lang="en-US" sz="2000" dirty="0"/>
           </a:p>
           <a:p>
             <a:pPr marL="342900" indent="-342900">
-              <a:buFont typeface="Arial" panose="020B0604020202020204" pitchFamily="34" charset="0"/>
+              <a:buFont typeface="Arial" panose="02080604020202020204" pitchFamily="34" charset="0"/>
               <a:buChar char="•"/>
             </a:pPr>
             <a:r>
               <a:rPr lang="en-US" sz="2000" dirty="0"/>
               <a:t>This may be difficult because of propagation delays introduced in the system if the stations are spread over a large area. To compensate for the delays, we can insert guard times. </a:t>
             </a:r>
+            <a:endParaRPr lang="en-US" sz="2000" dirty="0"/>
           </a:p>
           <a:p>
             <a:pPr marL="342900" indent="-342900">
-              <a:buFont typeface="Arial" panose="020B0604020202020204" pitchFamily="34" charset="0"/>
+              <a:buFont typeface="Arial" panose="02080604020202020204" pitchFamily="34" charset="0"/>
               <a:buChar char="•"/>
             </a:pPr>
             <a:r>
               <a:rPr lang="en-US" sz="2000" dirty="0"/>
               <a:t>Synchronization is normally accomplished by having some synchronization bits at the beginning of each slot.</a:t>
             </a:r>
+            <a:endParaRPr lang="en-US" sz="2000" dirty="0"/>
           </a:p>
           <a:p>
             <a:r>
@@ -6866,13 +6800,14 @@
           </a:p>
           <a:p>
             <a:pPr marL="285750" indent="-285750">
-              <a:buFont typeface="Arial" panose="020B0604020202020204" pitchFamily="34" charset="0"/>
+              <a:buFont typeface="Arial" panose="02080604020202020204" pitchFamily="34" charset="0"/>
               <a:buChar char="•"/>
             </a:pPr>
             <a:r>
               <a:rPr lang="en-US" sz="2000" dirty="0"/>
               <a:t>CDMA simply means communication with different codes. CDMA differs from FDMA because only one channel occupies the entire bandwidth of the link. It differs from TDMA because all stations can send data simultaneously; there is no timesharing.</a:t>
             </a:r>
+            <a:endParaRPr lang="en-US" sz="2000" dirty="0"/>
           </a:p>
           <a:p>
             <a:r>
@@ -6883,33 +6818,36 @@
           </a:p>
           <a:p>
             <a:pPr marL="285750" indent="-285750">
-              <a:buFont typeface="Arial" panose="020B0604020202020204" pitchFamily="34" charset="0"/>
+              <a:buFont typeface="Arial" panose="02080604020202020204" pitchFamily="34" charset="0"/>
               <a:buChar char="•"/>
             </a:pPr>
             <a:r>
               <a:rPr lang="en-US" sz="2000" dirty="0"/>
               <a:t>Let us assume we have four stations 1, 2, 3, and 4 connected to the same channel. The data from station 1 are d1 , from station 2 are d2, and so on. The code assigned to the first station is c1, to the second is c2, and so on. We assume that the assigned codes have two properties.</a:t>
             </a:r>
+            <a:endParaRPr lang="en-US" sz="2000" dirty="0"/>
           </a:p>
           <a:p>
             <a:pPr marL="285750" indent="-285750">
-              <a:buFont typeface="Arial" panose="020B0604020202020204" pitchFamily="34" charset="0"/>
+              <a:buFont typeface="Arial" panose="02080604020202020204" pitchFamily="34" charset="0"/>
               <a:buChar char="•"/>
             </a:pPr>
             <a:r>
               <a:rPr lang="en-US" sz="2000" dirty="0"/>
               <a:t> 1. If we multiply each code by another, we get 0.</a:t>
             </a:r>
+            <a:endParaRPr lang="en-US" sz="2000" dirty="0"/>
           </a:p>
           <a:p>
             <a:pPr marL="285750" indent="-285750">
-              <a:buFont typeface="Arial" panose="020B0604020202020204" pitchFamily="34" charset="0"/>
+              <a:buFont typeface="Arial" panose="02080604020202020204" pitchFamily="34" charset="0"/>
               <a:buChar char="•"/>
             </a:pPr>
             <a:r>
               <a:rPr lang="en-US" sz="2000" dirty="0"/>
               <a:t>2. If we multiply each code by itself, we get 4 (the number of stations).</a:t>
             </a:r>
+            <a:endParaRPr lang="en-US" sz="2000" dirty="0"/>
           </a:p>
           <a:p>
             <a:endParaRPr lang="en-IN" sz="2000" dirty="0"/>
@@ -6917,11 +6855,6 @@
         </p:txBody>
       </p:sp>
     </p:spTree>
-    <p:extLst>
-      <p:ext uri="{BB962C8B-B14F-4D97-AF65-F5344CB8AC3E}">
-        <p14:creationId xmlns:p14="http://schemas.microsoft.com/office/powerpoint/2010/main" val="568136613"/>
-      </p:ext>
-    </p:extLst>
   </p:cSld>
   <p:clrMapOvr>
     <a:masterClrMapping/>
@@ -6971,6 +6904,7 @@
               <a:rPr lang="en-US" sz="2000" dirty="0"/>
               <a:t> With these two properties in mind, how the above four stations can send data using the same common channel, as shown in the following figure.</a:t>
             </a:r>
+            <a:endParaRPr lang="en-US" sz="2000" dirty="0"/>
           </a:p>
           <a:p>
             <a:endParaRPr lang="en-US" sz="2000" dirty="0">
@@ -6988,6 +6922,11 @@
               </a:rPr>
               <a:t>Station 1 multiplies (a special kind of multiplication, as we will see) its data by its code to get d1.c1. Station 2 multiplies its data by its code to get d2.c2. And so on. The data that go on the channel are the sum of all these terms, as shown in the box.</a:t>
             </a:r>
+            <a:endParaRPr lang="en-US" sz="2000" dirty="0">
+              <a:solidFill>
+                <a:srgbClr val="333333"/>
+              </a:solidFill>
+            </a:endParaRPr>
           </a:p>
           <a:p>
             <a:r>
@@ -6998,6 +6937,11 @@
               </a:rPr>
               <a:t> </a:t>
             </a:r>
+            <a:endParaRPr lang="en-US" sz="2000" dirty="0">
+              <a:solidFill>
+                <a:srgbClr val="333333"/>
+              </a:solidFill>
+            </a:endParaRPr>
           </a:p>
           <a:p>
             <a:r>
@@ -7077,11 +7021,6 @@
         </p:txBody>
       </p:sp>
     </p:spTree>
-    <p:extLst>
-      <p:ext uri="{BB962C8B-B14F-4D97-AF65-F5344CB8AC3E}">
-        <p14:creationId xmlns:p14="http://schemas.microsoft.com/office/powerpoint/2010/main" val="653970734"/>
-      </p:ext>
-    </p:extLst>
   </p:cSld>
   <p:clrMapOvr>
     <a:masterClrMapping/>
@@ -7115,7 +7054,7 @@
           <p:nvPr/>
         </p:nvPicPr>
         <p:blipFill>
-          <a:blip r:embed="rId2"/>
+          <a:blip r:embed="rId1"/>
           <a:stretch>
             <a:fillRect/>
           </a:stretch>
@@ -7139,7 +7078,7 @@
           <p:nvPr/>
         </p:nvPicPr>
         <p:blipFill>
-          <a:blip r:embed="rId3"/>
+          <a:blip r:embed="rId2"/>
           <a:stretch>
             <a:fillRect/>
           </a:stretch>
@@ -7155,11 +7094,6 @@
         </p:spPr>
       </p:pic>
     </p:spTree>
-    <p:extLst>
-      <p:ext uri="{BB962C8B-B14F-4D97-AF65-F5344CB8AC3E}">
-        <p14:creationId xmlns:p14="http://schemas.microsoft.com/office/powerpoint/2010/main" val="3314812800"/>
-      </p:ext>
-    </p:extLst>
   </p:cSld>
   <p:clrMapOvr>
     <a:masterClrMapping/>
@@ -7193,7 +7127,7 @@
           <p:nvPr/>
         </p:nvPicPr>
         <p:blipFill>
-          <a:blip r:embed="rId2"/>
+          <a:blip r:embed="rId1"/>
           <a:stretch>
             <a:fillRect/>
           </a:stretch>
@@ -7209,11 +7143,6 @@
         </p:spPr>
       </p:pic>
     </p:spTree>
-    <p:extLst>
-      <p:ext uri="{BB962C8B-B14F-4D97-AF65-F5344CB8AC3E}">
-        <p14:creationId xmlns:p14="http://schemas.microsoft.com/office/powerpoint/2010/main" val="3108117301"/>
-      </p:ext>
-    </p:extLst>
   </p:cSld>
   <p:clrMapOvr>
     <a:masterClrMapping/>
@@ -7267,23 +7196,25 @@
               <a:rPr lang="en-US" dirty="0"/>
               <a:t>In this, all stations have same superiority that is no station has more priority than another station. Any station can send data depending on medium’s state( idle or busy). It has two features:</a:t>
             </a:r>
-          </a:p>
-          <a:p>
             <a:endParaRPr lang="en-US" dirty="0"/>
           </a:p>
           <a:p>
+            <a:endParaRPr lang="en-US" dirty="0"/>
+          </a:p>
+          <a:p>
             <a:pPr marL="285750" indent="-285750">
-              <a:buFont typeface="Arial" panose="020B0604020202020204" pitchFamily="34" charset="0"/>
+              <a:buFont typeface="Arial" panose="02080604020202020204" pitchFamily="34" charset="0"/>
               <a:buChar char="•"/>
             </a:pPr>
             <a:r>
               <a:rPr lang="en-US" dirty="0"/>
               <a:t>There is no fixed time for sending data</a:t>
             </a:r>
+            <a:endParaRPr lang="en-US" dirty="0"/>
           </a:p>
           <a:p>
             <a:pPr marL="285750" indent="-285750">
-              <a:buFont typeface="Arial" panose="020B0604020202020204" pitchFamily="34" charset="0"/>
+              <a:buFont typeface="Arial" panose="02080604020202020204" pitchFamily="34" charset="0"/>
               <a:buChar char="•"/>
             </a:pPr>
             <a:r>
@@ -7319,12 +7250,14 @@
               <a:rPr lang="en-US" sz="2800" b="1" dirty="0"/>
               <a:t>ALOHA Random Access Protocol</a:t>
             </a:r>
+            <a:endParaRPr lang="en-US" sz="2800" b="1" dirty="0"/>
           </a:p>
           <a:p>
             <a:r>
               <a:rPr lang="en-US" sz="2000" dirty="0"/>
               <a:t>It is designed for wireless LAN (Local Area Network) but can also be used in a shared medium to transmit data. Using this method, any station can transmit data across a network simultaneously when a data frameset is available for transmission.</a:t>
             </a:r>
+            <a:endParaRPr lang="en-US" sz="2000" dirty="0"/>
           </a:p>
           <a:p>
             <a:endParaRPr lang="en-US" sz="2000" dirty="0"/>
@@ -7334,65 +7267,66 @@
               <a:rPr lang="en-US" sz="2000" b="1" dirty="0"/>
               <a:t>Aloha Rules</a:t>
             </a:r>
+            <a:endParaRPr lang="en-US" sz="2000" b="1" dirty="0"/>
           </a:p>
           <a:p>
             <a:pPr marL="342900" indent="-342900">
-              <a:buFont typeface="Arial" panose="020B0604020202020204" pitchFamily="34" charset="0"/>
+              <a:buFont typeface="Arial" panose="02080604020202020204" pitchFamily="34" charset="0"/>
               <a:buChar char="•"/>
             </a:pPr>
             <a:r>
               <a:rPr lang="en-US" sz="2000" dirty="0"/>
               <a:t>Any station can transmit data to a channel at any time.</a:t>
             </a:r>
+            <a:endParaRPr lang="en-US" sz="2000" dirty="0"/>
           </a:p>
           <a:p>
             <a:pPr marL="342900" indent="-342900">
-              <a:buFont typeface="Arial" panose="020B0604020202020204" pitchFamily="34" charset="0"/>
+              <a:buFont typeface="Arial" panose="02080604020202020204" pitchFamily="34" charset="0"/>
               <a:buChar char="•"/>
             </a:pPr>
             <a:r>
               <a:rPr lang="en-US" sz="2000" dirty="0"/>
               <a:t>It does not require any carrier sensing.</a:t>
             </a:r>
+            <a:endParaRPr lang="en-US" sz="2000" dirty="0"/>
           </a:p>
           <a:p>
             <a:pPr marL="342900" indent="-342900">
-              <a:buFont typeface="Arial" panose="020B0604020202020204" pitchFamily="34" charset="0"/>
+              <a:buFont typeface="Arial" panose="02080604020202020204" pitchFamily="34" charset="0"/>
               <a:buChar char="•"/>
             </a:pPr>
             <a:r>
               <a:rPr lang="en-US" sz="2000" dirty="0"/>
               <a:t>Collision and data frames may be lost during the transmission of data through multiple stations.</a:t>
             </a:r>
+            <a:endParaRPr lang="en-US" sz="2000" dirty="0"/>
           </a:p>
           <a:p>
             <a:pPr marL="342900" indent="-342900">
-              <a:buFont typeface="Arial" panose="020B0604020202020204" pitchFamily="34" charset="0"/>
+              <a:buFont typeface="Arial" panose="02080604020202020204" pitchFamily="34" charset="0"/>
               <a:buChar char="•"/>
             </a:pPr>
             <a:r>
               <a:rPr lang="en-US" sz="2000" dirty="0"/>
               <a:t>Acknowledgment of the frames exists in Aloha. Hence, there is no collision detection.</a:t>
             </a:r>
+            <a:endParaRPr lang="en-US" sz="2000" dirty="0"/>
           </a:p>
           <a:p>
             <a:pPr marL="342900" indent="-342900">
-              <a:buFont typeface="Arial" panose="020B0604020202020204" pitchFamily="34" charset="0"/>
+              <a:buFont typeface="Arial" panose="02080604020202020204" pitchFamily="34" charset="0"/>
               <a:buChar char="•"/>
             </a:pPr>
             <a:r>
               <a:rPr lang="en-US" sz="2000" dirty="0"/>
               <a:t>It requires retransmission of data after some random amount of time.</a:t>
             </a:r>
+            <a:endParaRPr lang="en-US" sz="2000" dirty="0"/>
           </a:p>
         </p:txBody>
       </p:sp>
     </p:spTree>
-    <p:extLst>
-      <p:ext uri="{BB962C8B-B14F-4D97-AF65-F5344CB8AC3E}">
-        <p14:creationId xmlns:p14="http://schemas.microsoft.com/office/powerpoint/2010/main" val="372577616"/>
-      </p:ext>
-    </p:extLst>
   </p:cSld>
   <p:clrMapOvr>
     <a:masterClrMapping/>
@@ -7426,7 +7360,7 @@
           <p:nvPr/>
         </p:nvPicPr>
         <p:blipFill>
-          <a:blip r:embed="rId2"/>
+          <a:blip r:embed="rId1"/>
           <a:stretch>
             <a:fillRect/>
           </a:stretch>
@@ -7442,11 +7376,6 @@
         </p:spPr>
       </p:pic>
     </p:spTree>
-    <p:extLst>
-      <p:ext uri="{BB962C8B-B14F-4D97-AF65-F5344CB8AC3E}">
-        <p14:creationId xmlns:p14="http://schemas.microsoft.com/office/powerpoint/2010/main" val="1598202950"/>
-      </p:ext>
-    </p:extLst>
   </p:cSld>
   <p:clrMapOvr>
     <a:masterClrMapping/>
@@ -7480,7 +7409,7 @@
           <p:nvPr/>
         </p:nvPicPr>
         <p:blipFill>
-          <a:blip r:embed="rId2">
+          <a:blip r:embed="rId1">
             <a:extLst>
               <a:ext uri="{28A0092B-C50C-407E-A947-70E740481C1C}">
                 <a14:useLocalDpi xmlns:a14="http://schemas.microsoft.com/office/drawing/2010/main" val="0"/>
@@ -7537,6 +7466,7 @@
               <a:rPr lang="en-US" sz="2800" b="1" dirty="0"/>
               <a:t>Pure Aloha</a:t>
             </a:r>
+            <a:endParaRPr lang="en-US" sz="2800" b="1" dirty="0"/>
           </a:p>
           <a:p>
             <a:endParaRPr lang="en-US" dirty="0"/>
@@ -7554,6 +7484,7 @@
               <a:rPr lang="en-US" dirty="0"/>
               <a:t> time (Tb). And the station may assume the frame has been lost or destroyed. Therefore, it retransmits the frame until all the data are successfully transmitted to the receiver.</a:t>
             </a:r>
+            <a:endParaRPr lang="en-US" dirty="0"/>
           </a:p>
           <a:p>
             <a:endParaRPr lang="en-US" dirty="0"/>
@@ -7563,12 +7494,14 @@
               <a:rPr lang="en-US" dirty="0"/>
               <a:t>The total vulnerable time of pure Aloha is 2 * Tfr.</a:t>
             </a:r>
+            <a:endParaRPr lang="en-US" dirty="0"/>
           </a:p>
           <a:p>
             <a:r>
               <a:rPr lang="en-US" dirty="0"/>
               <a:t>Maximum throughput occurs when G = 1/ 2 that is 18.4%.</a:t>
             </a:r>
+            <a:endParaRPr lang="en-US" dirty="0"/>
           </a:p>
           <a:p>
             <a:r>
@@ -7580,11 +7513,6 @@
         </p:txBody>
       </p:sp>
     </p:spTree>
-    <p:extLst>
-      <p:ext uri="{BB962C8B-B14F-4D97-AF65-F5344CB8AC3E}">
-        <p14:creationId xmlns:p14="http://schemas.microsoft.com/office/powerpoint/2010/main" val="419985161"/>
-      </p:ext>
-    </p:extLst>
   </p:cSld>
   <p:clrMapOvr>
     <a:masterClrMapping/>
@@ -7618,7 +7546,7 @@
           <p:nvPr/>
         </p:nvPicPr>
         <p:blipFill>
-          <a:blip r:embed="rId2">
+          <a:blip r:embed="rId1">
             <a:extLst>
               <a:ext uri="{28A0092B-C50C-407E-A947-70E740481C1C}">
                 <a14:useLocalDpi xmlns:a14="http://schemas.microsoft.com/office/drawing/2010/main" val="0"/>
@@ -7726,11 +7654,6 @@
         </p:txBody>
       </p:sp>
     </p:spTree>
-    <p:extLst>
-      <p:ext uri="{BB962C8B-B14F-4D97-AF65-F5344CB8AC3E}">
-        <p14:creationId xmlns:p14="http://schemas.microsoft.com/office/powerpoint/2010/main" val="3782159594"/>
-      </p:ext>
-    </p:extLst>
   </p:cSld>
   <p:clrMapOvr>
     <a:masterClrMapping/>
@@ -7780,6 +7703,7 @@
               <a:rPr lang="en-US" sz="2800" b="1" dirty="0"/>
               <a:t>Slotted Aloha</a:t>
             </a:r>
+            <a:endParaRPr lang="en-US" sz="2800" b="1" dirty="0"/>
           </a:p>
           <a:p>
             <a:endParaRPr lang="en-US" dirty="0"/>
@@ -7789,6 +7713,7 @@
               <a:rPr lang="en-US" dirty="0"/>
               <a:t>The slotted Aloha is designed to overcome the pure Aloha's efficiency because pure Aloha has a very high possibility of frame hitting. In slotted Aloha, the shared channel is divided into a fixed time interval called slots. So that, if a station wants to send a frame to a shared channel, the frame can only be sent at the beginning of the slot, and only one frame is allowed to be sent to each slot. And if the stations are unable to send data to the beginning of the slot, the station will have to wait until the beginning of the slot for the next time. However, the possibility of a collision remains when trying to send a frame at the beginning of two or more station time slot.</a:t>
             </a:r>
+            <a:endParaRPr lang="en-US" dirty="0"/>
           </a:p>
           <a:p>
             <a:endParaRPr lang="en-US" dirty="0"/>
@@ -7798,12 +7723,14 @@
               <a:rPr lang="en-US" dirty="0"/>
               <a:t>Maximum throughput occurs in the slotted Aloha when G = 1 that is 37%.</a:t>
             </a:r>
+            <a:endParaRPr lang="en-US" dirty="0"/>
           </a:p>
           <a:p>
             <a:r>
               <a:rPr lang="en-US" dirty="0"/>
               <a:t>The probability of successfully transmitting the data frame in the slotted Aloha is S = G * e ^ - 2 G.</a:t>
             </a:r>
+            <a:endParaRPr lang="en-US" dirty="0"/>
           </a:p>
           <a:p>
             <a:r>
@@ -7815,11 +7742,6 @@
         </p:txBody>
       </p:sp>
     </p:spTree>
-    <p:extLst>
-      <p:ext uri="{BB962C8B-B14F-4D97-AF65-F5344CB8AC3E}">
-        <p14:creationId xmlns:p14="http://schemas.microsoft.com/office/powerpoint/2010/main" val="4194242722"/>
-      </p:ext>
-    </p:extLst>
   </p:cSld>
   <p:clrMapOvr>
     <a:masterClrMapping/>
@@ -7853,7 +7775,7 @@
           <p:nvPr/>
         </p:nvPicPr>
         <p:blipFill>
-          <a:blip r:embed="rId2">
+          <a:blip r:embed="rId1">
             <a:extLst>
               <a:ext uri="{28A0092B-C50C-407E-A947-70E740481C1C}">
                 <a14:useLocalDpi xmlns:a14="http://schemas.microsoft.com/office/drawing/2010/main" val="0"/>
@@ -7867,8 +7789,8 @@
         </p:blipFill>
         <p:spPr bwMode="auto">
           <a:xfrm>
-            <a:off x="2393576" y="649941"/>
-            <a:ext cx="6503707" cy="3505200"/>
+            <a:off x="230505" y="650240"/>
+            <a:ext cx="10645775" cy="5737860"/>
           </a:xfrm>
           <a:prstGeom prst="rect">
             <a:avLst/>
@@ -7886,11 +7808,6 @@
         </p:spPr>
       </p:pic>
     </p:spTree>
-    <p:extLst>
-      <p:ext uri="{BB962C8B-B14F-4D97-AF65-F5344CB8AC3E}">
-        <p14:creationId xmlns:p14="http://schemas.microsoft.com/office/powerpoint/2010/main" val="4003595803"/>
-      </p:ext>
-    </p:extLst>
   </p:cSld>
   <p:clrMapOvr>
     <a:masterClrMapping/>
@@ -7941,7 +7858,7 @@
     </a:clrScheme>
     <a:fontScheme name="Office">
       <a:majorFont>
-        <a:latin typeface="Calibri Light" panose="020F0302020204030204"/>
+        <a:latin typeface="Calibri Light"/>
         <a:ea typeface=""/>
         <a:cs typeface=""/>
         <a:font script="Jpan" typeface="ＭＳ Ｐゴシック"/>
@@ -7976,7 +7893,7 @@
         <a:font script="Geor" typeface="Sylfaen"/>
       </a:majorFont>
       <a:minorFont>
-        <a:latin typeface="Calibri" panose="020F0502020204030204"/>
+        <a:latin typeface="Calibri"/>
         <a:ea typeface=""/>
         <a:cs typeface=""/>
         <a:font script="Jpan" typeface="ＭＳ Ｐゴシック"/>
@@ -8149,8 +8066,6 @@
       </a:bgFillStyleLst>
     </a:fmtScheme>
   </a:themeElements>
-  <a:objectDefaults/>
-  <a:extraClrSchemeLst/>
   <a:extLst>
     <a:ext uri="{05A4C25C-085E-4340-85A3-A5531E510DB2}">
       <thm15:themeFamily xmlns:thm15="http://schemas.microsoft.com/office/thememl/2012/main" name="Office Theme" id="{62F939B6-93AF-4DB8-9C6B-D6C7DFDC589F}" vid="{4A3C46E8-61CC-4603-A589-7422A47A8E4A}"/>
@@ -8202,7 +8117,7 @@
     </a:clrScheme>
     <a:fontScheme name="Office">
       <a:majorFont>
-        <a:latin typeface="Calibri Light" panose="020F0302020204030204"/>
+        <a:latin typeface="Calibri Light"/>
         <a:ea typeface=""/>
         <a:cs typeface=""/>
         <a:font script="Jpan" typeface="ＭＳ Ｐゴシック"/>
@@ -8237,7 +8152,7 @@
         <a:font script="Geor" typeface="Sylfaen"/>
       </a:majorFont>
       <a:minorFont>
-        <a:latin typeface="Calibri" panose="020F0502020204030204"/>
+        <a:latin typeface="Calibri"/>
         <a:ea typeface=""/>
         <a:cs typeface=""/>
         <a:font script="Jpan" typeface="ＭＳ Ｐゴシック"/>
@@ -8410,8 +8325,6 @@
       </a:bgFillStyleLst>
     </a:fmtScheme>
   </a:themeElements>
-  <a:objectDefaults/>
-  <a:extraClrSchemeLst/>
   <a:extLst>
     <a:ext uri="{05A4C25C-085E-4340-85A3-A5531E510DB2}">
       <thm15:themeFamily xmlns:thm15="http://schemas.microsoft.com/office/thememl/2012/main" name="Office Theme" id="{62F939B6-93AF-4DB8-9C6B-D6C7DFDC589F}" vid="{4A3C46E8-61CC-4603-A589-7422A47A8E4A}"/>

--- a/Sem-5/CN/11. MAC protocols.pptx
+++ b/Sem-5/CN/11. MAC protocols.pptx
@@ -785,6 +785,50 @@
               <a:rPr lang="en-IN" smtClean="0"/>
             </a:fld>
             <a:endParaRPr lang="en-IN"/>
+          </a:p>
+        </p:txBody>
+      </p:sp>
+    </p:spTree>
+  </p:cSld>
+  <p:clrMapOvr>
+    <a:masterClrMapping/>
+  </p:clrMapOvr>
+</p:notes>
+</file>
+
+<file path=ppt/notesSlides/notesSlide3.xml><?xml version="1.0" encoding="utf-8"?>
+<p:notes xmlns:a="http://schemas.openxmlformats.org/drawingml/2006/main" xmlns:r="http://schemas.openxmlformats.org/officeDocument/2006/relationships" xmlns:p="http://schemas.openxmlformats.org/presentationml/2006/main">
+  <p:cSld>
+    <p:spTree>
+      <p:nvGrpSpPr>
+        <p:cNvPr id="1" name=""/>
+        <p:cNvGrpSpPr/>
+        <p:nvPr/>
+      </p:nvGrpSpPr>
+      <p:grpSpPr/>
+      <p:sp>
+        <p:nvSpPr>
+          <p:cNvPr id="2" name="Slide Image Placeholder 1"/>
+          <p:cNvSpPr/>
+          <p:nvPr>
+            <p:ph type="sldImg" idx="2"/>
+          </p:nvPr>
+        </p:nvSpPr>
+        <p:spPr/>
+      </p:sp>
+      <p:sp>
+        <p:nvSpPr>
+          <p:cNvPr id="3" name="Text Placeholder 2"/>
+          <p:cNvSpPr/>
+          <p:nvPr>
+            <p:ph type="body" idx="3"/>
+          </p:nvPr>
+        </p:nvSpPr>
+        <p:spPr/>
+        <p:txBody>
+          <a:bodyPr/>
+          <a:p>
+            <a:endParaRPr lang="en-US"/>
           </a:p>
         </p:txBody>
       </p:sp>
@@ -5245,19 +5289,6 @@
               <a:buFontTx/>
               <a:buNone/>
             </a:pPr>
-            <a:r>
-              <a:rPr kumimoji="0" lang="en-US" sz="3200" b="1" i="0" u="none" strike="noStrike" cap="none" normalizeH="0" baseline="0" dirty="0">
-                <a:ln>
-                  <a:noFill/>
-                </a:ln>
-                <a:solidFill>
-                  <a:srgbClr val="40424E"/>
-                </a:solidFill>
-                <a:effectLst/>
-                <a:latin typeface="urw-din"/>
-              </a:rPr>
-              <a:t>Efficiency</a:t>
-            </a:r>
             <a:br>
               <a:rPr kumimoji="0" lang="en-US" sz="3200" b="0" i="0" u="none" strike="noStrike" cap="none" normalizeH="0" baseline="0" dirty="0">
                 <a:ln>
@@ -5930,19 +5961,6 @@
               <a:buFontTx/>
               <a:buNone/>
             </a:pPr>
-            <a:r>
-              <a:rPr kumimoji="0" lang="en-US" sz="3200" b="1" i="0" u="none" strike="noStrike" cap="none" normalizeH="0" baseline="0" dirty="0">
-                <a:ln>
-                  <a:noFill/>
-                </a:ln>
-                <a:solidFill>
-                  <a:srgbClr val="40424E"/>
-                </a:solidFill>
-                <a:effectLst/>
-                <a:latin typeface="urw-din"/>
-              </a:rPr>
-              <a:t>Performance</a:t>
-            </a:r>
             <a:endParaRPr kumimoji="0" lang="en-US" sz="3200" b="1" i="0" u="none" strike="noStrike" cap="none" normalizeH="0" baseline="0" dirty="0">
               <a:ln>
                 <a:noFill/>
@@ -6049,19 +6067,6 @@
               <a:buAutoNum type="arabicPeriod"/>
             </a:pPr>
             <a:r>
-              <a:rPr kumimoji="0" lang="en-US" sz="2400" b="1" i="0" u="none" strike="noStrike" cap="none" normalizeH="0" baseline="0" dirty="0">
-                <a:ln>
-                  <a:noFill/>
-                </a:ln>
-                <a:solidFill>
-                  <a:srgbClr val="40424E"/>
-                </a:solidFill>
-                <a:effectLst/>
-                <a:latin typeface="urw-din"/>
-              </a:rPr>
-              <a:t>Delay</a:t>
-            </a:r>
-            <a:r>
               <a:rPr kumimoji="0" lang="en-US" sz="2400" b="0" i="0" u="none" strike="noStrike" cap="none" normalizeH="0" baseline="0" dirty="0">
                 <a:ln>
                   <a:noFill/>
@@ -6127,19 +6132,6 @@
               <a:buAutoNum type="arabicPeriod" startAt="2"/>
             </a:pPr>
             <a:r>
-              <a:rPr kumimoji="0" lang="en-US" sz="2400" b="1" i="0" u="none" strike="noStrike" cap="none" normalizeH="0" baseline="0" dirty="0">
-                <a:ln>
-                  <a:noFill/>
-                </a:ln>
-                <a:solidFill>
-                  <a:srgbClr val="40424E"/>
-                </a:solidFill>
-                <a:effectLst/>
-                <a:latin typeface="urw-din"/>
-              </a:rPr>
-              <a:t>Throughput</a:t>
-            </a:r>
-            <a:r>
               <a:rPr kumimoji="0" lang="en-US" sz="2400" b="0" i="0" u="none" strike="noStrike" cap="none" normalizeH="0" baseline="0" dirty="0">
                 <a:ln>
                   <a:noFill/>
@@ -6150,7 +6142,7 @@
                 <a:effectLst/>
                 <a:latin typeface="urw-din"/>
               </a:rPr>
-              <a:t>, which is a measure of the successful traffic.</a:t>
+              <a:t> which is a measure of the successful traffic.</a:t>
             </a:r>
             <a:endParaRPr kumimoji="0" lang="en-US" sz="2400" b="0" i="0" u="none" strike="noStrike" cap="none" normalizeH="0" baseline="0" dirty="0">
               <a:ln>
